--- a/[DSIS] 02-React 시작하기.pptx
+++ b/[DSIS] 02-React 시작하기.pptx
@@ -4204,8 +4204,8 @@
         </p:nvSpPr>
         <p:spPr>
           <a:xfrm>
-            <a:off x="371232" y="2074307"/>
-            <a:ext cx="4865434" cy="523220"/>
+            <a:off x="371232" y="2674857"/>
+            <a:ext cx="5036956" cy="523220"/>
           </a:xfrm>
           <a:prstGeom prst="rect">
             <a:avLst/>
@@ -4219,20 +4219,55 @@
           <a:lstStyle/>
           <a:p>
             <a:r>
+              <a:rPr lang="en-US" altLang="ko-KR" sz="1400" dirty="0">
+                <a:latin typeface="Pretendard SemiBold" panose="02000703000000020004" pitchFamily="50" charset="-127"/>
+                <a:ea typeface="Pretendard SemiBold" panose="02000703000000020004" pitchFamily="50" charset="-127"/>
+                <a:cs typeface="Pretendard SemiBold" panose="02000703000000020004" pitchFamily="50" charset="-127"/>
+              </a:rPr>
+              <a:t>1. </a:t>
+            </a:r>
+            <a:r>
               <a:rPr lang="ko-KR" altLang="en-US" sz="1400" dirty="0">
                 <a:latin typeface="Pretendard SemiBold" panose="02000703000000020004" pitchFamily="50" charset="-127"/>
                 <a:ea typeface="Pretendard SemiBold" panose="02000703000000020004" pitchFamily="50" charset="-127"/>
                 <a:cs typeface="Pretendard SemiBold" panose="02000703000000020004" pitchFamily="50" charset="-127"/>
               </a:rPr>
-              <a:t>생성한 폴더 내에서</a:t>
-            </a:r>
-            <a:endParaRPr lang="en-US" altLang="ko-KR" sz="1400" dirty="0">
-              <a:latin typeface="Pretendard SemiBold" panose="02000703000000020004" pitchFamily="50" charset="-127"/>
-              <a:ea typeface="Pretendard SemiBold" panose="02000703000000020004" pitchFamily="50" charset="-127"/>
-              <a:cs typeface="Pretendard SemiBold" panose="02000703000000020004" pitchFamily="50" charset="-127"/>
-            </a:endParaRPr>
-          </a:p>
-          <a:p>
+              <a:t>우리가 작업할 폴더 안에서 터미널 열고 </a:t>
+            </a:r>
+            <a:r>
+              <a:rPr lang="en-US" altLang="ko-KR" sz="1400" dirty="0">
+                <a:latin typeface="Pretendard SemiBold" panose="02000703000000020004" pitchFamily="50" charset="-127"/>
+                <a:ea typeface="Pretendard SemiBold" panose="02000703000000020004" pitchFamily="50" charset="-127"/>
+                <a:cs typeface="Pretendard SemiBold" panose="02000703000000020004" pitchFamily="50" charset="-127"/>
+              </a:rPr>
+              <a:t>(Ctrl + ` (</a:t>
+            </a:r>
+            <a:r>
+              <a:rPr lang="ko-KR" altLang="en-US" sz="1400" dirty="0">
+                <a:latin typeface="Pretendard SemiBold" panose="02000703000000020004" pitchFamily="50" charset="-127"/>
+                <a:ea typeface="Pretendard SemiBold" panose="02000703000000020004" pitchFamily="50" charset="-127"/>
+                <a:cs typeface="Pretendard SemiBold" panose="02000703000000020004" pitchFamily="50" charset="-127"/>
+              </a:rPr>
+              <a:t>물결</a:t>
+            </a:r>
+            <a:r>
+              <a:rPr lang="en-US" altLang="ko-KR" sz="1400" dirty="0">
+                <a:latin typeface="Pretendard SemiBold" panose="02000703000000020004" pitchFamily="50" charset="-127"/>
+                <a:ea typeface="Pretendard SemiBold" panose="02000703000000020004" pitchFamily="50" charset="-127"/>
+                <a:cs typeface="Pretendard SemiBold" panose="02000703000000020004" pitchFamily="50" charset="-127"/>
+              </a:rPr>
+              <a:t>))</a:t>
+            </a:r>
+          </a:p>
+          <a:p>
+            <a:r>
+              <a:rPr lang="en-US" altLang="ko-KR" sz="1400" dirty="0">
+                <a:latin typeface="Pretendard SemiBold" panose="02000703000000020004" pitchFamily="50" charset="-127"/>
+                <a:ea typeface="Pretendard SemiBold" panose="02000703000000020004" pitchFamily="50" charset="-127"/>
+                <a:cs typeface="Pretendard SemiBold" panose="02000703000000020004" pitchFamily="50" charset="-127"/>
+              </a:rPr>
+              <a:t>2. </a:t>
+            </a:r>
             <a:r>
               <a:rPr lang="en-US" altLang="ko-KR" sz="1400" dirty="0" err="1">
                 <a:highlight>
@@ -4288,8 +4323,8 @@
         </p:nvSpPr>
         <p:spPr>
           <a:xfrm>
-            <a:off x="371232" y="2798207"/>
-            <a:ext cx="3631122" cy="523220"/>
+            <a:off x="371232" y="3398757"/>
+            <a:ext cx="5816016" cy="523220"/>
           </a:xfrm>
           <a:prstGeom prst="rect">
             <a:avLst/>
@@ -4303,12 +4338,20 @@
           <a:lstStyle/>
           <a:p>
             <a:r>
+              <a:rPr lang="en-US" altLang="ko-KR" sz="1400" dirty="0">
+                <a:latin typeface="Pretendard SemiBold" panose="02000703000000020004" pitchFamily="50" charset="-127"/>
+                <a:ea typeface="Pretendard SemiBold" panose="02000703000000020004" pitchFamily="50" charset="-127"/>
+                <a:cs typeface="Pretendard SemiBold" panose="02000703000000020004" pitchFamily="50" charset="-127"/>
+              </a:rPr>
+              <a:t>3. </a:t>
+            </a:r>
+            <a:r>
               <a:rPr lang="ko-KR" altLang="en-US" sz="1400" dirty="0">
                 <a:latin typeface="Pretendard SemiBold" panose="02000703000000020004" pitchFamily="50" charset="-127"/>
                 <a:ea typeface="Pretendard SemiBold" panose="02000703000000020004" pitchFamily="50" charset="-127"/>
                 <a:cs typeface="Pretendard SemiBold" panose="02000703000000020004" pitchFamily="50" charset="-127"/>
               </a:rPr>
-              <a:t>이후에 새로 생긴 파일로 들어가서 </a:t>
+              <a:t>이후에 새로 생긴 폴더로 들어가서 </a:t>
             </a:r>
             <a:r>
               <a:rPr lang="en-US" altLang="ko-KR" sz="1400" dirty="0">
@@ -4335,10 +4378,57 @@
                 <a:ea typeface="Pretendard SemiBold" panose="02000703000000020004" pitchFamily="50" charset="-127"/>
                 <a:cs typeface="Pretendard SemiBold" panose="02000703000000020004" pitchFamily="50" charset="-127"/>
               </a:rPr>
-              <a:t>)</a:t>
-            </a:r>
-          </a:p>
-          <a:p>
+              <a:t>) </a:t>
+            </a:r>
+            <a:r>
+              <a:rPr lang="en-US" altLang="ko-KR" sz="1400" dirty="0">
+                <a:solidFill>
+                  <a:schemeClr val="bg1">
+                    <a:lumMod val="75000"/>
+                  </a:schemeClr>
+                </a:solidFill>
+                <a:latin typeface="Pretendard SemiBold" panose="02000703000000020004" pitchFamily="50" charset="-127"/>
+                <a:ea typeface="Pretendard SemiBold" panose="02000703000000020004" pitchFamily="50" charset="-127"/>
+                <a:cs typeface="Pretendard SemiBold" panose="02000703000000020004" pitchFamily="50" charset="-127"/>
+              </a:rPr>
+              <a:t>&lt;- Linux </a:t>
+            </a:r>
+            <a:r>
+              <a:rPr lang="ko-KR" altLang="en-US" sz="1400" dirty="0">
+                <a:solidFill>
+                  <a:schemeClr val="bg1">
+                    <a:lumMod val="75000"/>
+                  </a:schemeClr>
+                </a:solidFill>
+                <a:latin typeface="Pretendard SemiBold" panose="02000703000000020004" pitchFamily="50" charset="-127"/>
+                <a:ea typeface="Pretendard SemiBold" panose="02000703000000020004" pitchFamily="50" charset="-127"/>
+                <a:cs typeface="Pretendard SemiBold" panose="02000703000000020004" pitchFamily="50" charset="-127"/>
+              </a:rPr>
+              <a:t>시간에 배웠겠죠</a:t>
+            </a:r>
+            <a:r>
+              <a:rPr lang="en-US" altLang="ko-KR" sz="1400" dirty="0">
+                <a:solidFill>
+                  <a:schemeClr val="bg1">
+                    <a:lumMod val="75000"/>
+                  </a:schemeClr>
+                </a:solidFill>
+                <a:latin typeface="Pretendard SemiBold" panose="02000703000000020004" pitchFamily="50" charset="-127"/>
+                <a:ea typeface="Pretendard SemiBold" panose="02000703000000020004" pitchFamily="50" charset="-127"/>
+                <a:cs typeface="Pretendard SemiBold" panose="02000703000000020004" pitchFamily="50" charset="-127"/>
+              </a:rPr>
+              <a:t>?</a:t>
+            </a:r>
+          </a:p>
+          <a:p>
+            <a:r>
+              <a:rPr lang="en-US" altLang="ko-KR" sz="1400" dirty="0">
+                <a:latin typeface="Pretendard SemiBold" panose="02000703000000020004" pitchFamily="50" charset="-127"/>
+                <a:ea typeface="Pretendard SemiBold" panose="02000703000000020004" pitchFamily="50" charset="-127"/>
+                <a:cs typeface="Pretendard SemiBold" panose="02000703000000020004" pitchFamily="50" charset="-127"/>
+              </a:rPr>
+              <a:t>4. </a:t>
+            </a:r>
             <a:r>
               <a:rPr lang="en-US" altLang="ko-KR" sz="1400" dirty="0" err="1">
                 <a:highlight>
@@ -4410,8 +4500,8 @@
         </p:nvSpPr>
         <p:spPr>
           <a:xfrm>
-            <a:off x="371232" y="3522107"/>
-            <a:ext cx="6973384" cy="307777"/>
+            <a:off x="371232" y="2289749"/>
+            <a:ext cx="6753772" cy="307777"/>
           </a:xfrm>
           <a:prstGeom prst="rect">
             <a:avLst/>
@@ -4425,20 +4515,36 @@
           <a:lstStyle/>
           <a:p>
             <a:r>
+              <a:rPr lang="en-US" altLang="ko-KR" sz="1400" dirty="0">
+                <a:latin typeface="Pretendard SemiBold" panose="02000703000000020004" pitchFamily="50" charset="-127"/>
+                <a:ea typeface="Pretendard SemiBold" panose="02000703000000020004" pitchFamily="50" charset="-127"/>
+                <a:cs typeface="Pretendard SemiBold" panose="02000703000000020004" pitchFamily="50" charset="-127"/>
+              </a:rPr>
+              <a:t>(2025</a:t>
+            </a:r>
+            <a:r>
               <a:rPr lang="ko-KR" altLang="en-US" sz="1400" dirty="0">
                 <a:latin typeface="Pretendard SemiBold" panose="02000703000000020004" pitchFamily="50" charset="-127"/>
                 <a:ea typeface="Pretendard SemiBold" panose="02000703000000020004" pitchFamily="50" charset="-127"/>
                 <a:cs typeface="Pretendard SemiBold" panose="02000703000000020004" pitchFamily="50" charset="-127"/>
               </a:rPr>
-              <a:t>근데 </a:t>
-            </a:r>
-            <a:r>
-              <a:rPr lang="en-US" altLang="ko-KR" sz="1400" dirty="0">
-                <a:latin typeface="Pretendard SemiBold" panose="02000703000000020004" pitchFamily="50" charset="-127"/>
-                <a:ea typeface="Pretendard SemiBold" panose="02000703000000020004" pitchFamily="50" charset="-127"/>
-                <a:cs typeface="Pretendard SemiBold" panose="02000703000000020004" pitchFamily="50" charset="-127"/>
-              </a:rPr>
-              <a:t>2025</a:t>
+              <a:t>년부터 </a:t>
+            </a:r>
+            <a:r>
+              <a:rPr lang="en-US" altLang="ko-KR" sz="1400" u="sng" dirty="0">
+                <a:latin typeface="Pretendard SemiBold" panose="02000703000000020004" pitchFamily="50" charset="-127"/>
+                <a:ea typeface="Pretendard SemiBold" panose="02000703000000020004" pitchFamily="50" charset="-127"/>
+                <a:cs typeface="Pretendard SemiBold" panose="02000703000000020004" pitchFamily="50" charset="-127"/>
+              </a:rPr>
+              <a:t>yarn </a:t>
+            </a:r>
+            <a:r>
+              <a:rPr lang="ko-KR" altLang="en-US" sz="1400" u="sng" dirty="0">
+                <a:latin typeface="Pretendard SemiBold" panose="02000703000000020004" pitchFamily="50" charset="-127"/>
+                <a:ea typeface="Pretendard SemiBold" panose="02000703000000020004" pitchFamily="50" charset="-127"/>
+                <a:cs typeface="Pretendard SemiBold" panose="02000703000000020004" pitchFamily="50" charset="-127"/>
+              </a:rPr>
+              <a:t>명령어를 권장</a:t>
             </a:r>
             <a:r>
               <a:rPr lang="ko-KR" altLang="en-US" sz="1400" dirty="0">
@@ -4446,10 +4552,10 @@
                 <a:ea typeface="Pretendard SemiBold" panose="02000703000000020004" pitchFamily="50" charset="-127"/>
                 <a:cs typeface="Pretendard SemiBold" panose="02000703000000020004" pitchFamily="50" charset="-127"/>
               </a:rPr>
-              <a:t>년부터 </a:t>
-            </a:r>
-            <a:r>
-              <a:rPr lang="en-US" altLang="ko-KR" sz="1400" u="sng" dirty="0">
+              <a:t>하기 때문에 오른쪽에 같은 의미의 </a:t>
+            </a:r>
+            <a:r>
+              <a:rPr lang="en-US" altLang="ko-KR" sz="1400" dirty="0">
                 <a:latin typeface="Pretendard SemiBold" panose="02000703000000020004" pitchFamily="50" charset="-127"/>
                 <a:ea typeface="Pretendard SemiBold" panose="02000703000000020004" pitchFamily="50" charset="-127"/>
                 <a:cs typeface="Pretendard SemiBold" panose="02000703000000020004" pitchFamily="50" charset="-127"/>
@@ -4457,35 +4563,11 @@
               <a:t>yarn </a:t>
             </a:r>
             <a:r>
-              <a:rPr lang="ko-KR" altLang="en-US" sz="1400" u="sng" dirty="0">
-                <a:latin typeface="Pretendard SemiBold" panose="02000703000000020004" pitchFamily="50" charset="-127"/>
-                <a:ea typeface="Pretendard SemiBold" panose="02000703000000020004" pitchFamily="50" charset="-127"/>
-                <a:cs typeface="Pretendard SemiBold" panose="02000703000000020004" pitchFamily="50" charset="-127"/>
-              </a:rPr>
-              <a:t>명령어를 권장</a:t>
-            </a:r>
-            <a:r>
               <a:rPr lang="ko-KR" altLang="en-US" sz="1400" dirty="0">
                 <a:latin typeface="Pretendard SemiBold" panose="02000703000000020004" pitchFamily="50" charset="-127"/>
                 <a:ea typeface="Pretendard SemiBold" panose="02000703000000020004" pitchFamily="50" charset="-127"/>
                 <a:cs typeface="Pretendard SemiBold" panose="02000703000000020004" pitchFamily="50" charset="-127"/>
               </a:rPr>
-              <a:t>하기 때문에 오른쪽에 같은 의미의 </a:t>
-            </a:r>
-            <a:r>
-              <a:rPr lang="en-US" altLang="ko-KR" sz="1400" dirty="0">
-                <a:latin typeface="Pretendard SemiBold" panose="02000703000000020004" pitchFamily="50" charset="-127"/>
-                <a:ea typeface="Pretendard SemiBold" panose="02000703000000020004" pitchFamily="50" charset="-127"/>
-                <a:cs typeface="Pretendard SemiBold" panose="02000703000000020004" pitchFamily="50" charset="-127"/>
-              </a:rPr>
-              <a:t>yarn </a:t>
-            </a:r>
-            <a:r>
-              <a:rPr lang="ko-KR" altLang="en-US" sz="1400" dirty="0">
-                <a:latin typeface="Pretendard SemiBold" panose="02000703000000020004" pitchFamily="50" charset="-127"/>
-                <a:ea typeface="Pretendard SemiBold" panose="02000703000000020004" pitchFamily="50" charset="-127"/>
-                <a:cs typeface="Pretendard SemiBold" panose="02000703000000020004" pitchFamily="50" charset="-127"/>
-              </a:rPr>
               <a:t>명령어도 </a:t>
             </a:r>
             <a:r>
@@ -4495,6 +4577,14 @@
                 <a:cs typeface="Pretendard SemiBold" panose="02000703000000020004" pitchFamily="50" charset="-127"/>
               </a:rPr>
               <a:t>작성해둠</a:t>
+            </a:r>
+            <a:r>
+              <a:rPr lang="en-US" altLang="ko-KR" sz="1400" dirty="0">
+                <a:latin typeface="Pretendard SemiBold" panose="02000703000000020004" pitchFamily="50" charset="-127"/>
+                <a:ea typeface="Pretendard SemiBold" panose="02000703000000020004" pitchFamily="50" charset="-127"/>
+                <a:cs typeface="Pretendard SemiBold" panose="02000703000000020004" pitchFamily="50" charset="-127"/>
+              </a:rPr>
+              <a:t>)</a:t>
             </a:r>
             <a:endParaRPr lang="ko-KR" altLang="en-US" sz="1400" dirty="0">
               <a:latin typeface="Pretendard SemiBold" panose="02000703000000020004" pitchFamily="50" charset="-127"/>
@@ -4518,7 +4608,7 @@
         </p:nvSpPr>
         <p:spPr>
           <a:xfrm>
-            <a:off x="8024985" y="3013650"/>
+            <a:off x="6767685" y="3614200"/>
             <a:ext cx="987771" cy="307777"/>
           </a:xfrm>
           <a:prstGeom prst="rect">
@@ -4534,12 +4624,9 @@
           <a:p>
             <a:r>
               <a:rPr lang="en-US" altLang="ko-KR" sz="1400" dirty="0">
-                <a:solidFill>
-                  <a:schemeClr val="tx1">
-                    <a:lumMod val="50000"/>
-                    <a:lumOff val="50000"/>
-                  </a:schemeClr>
-                </a:solidFill>
+                <a:highlight>
+                  <a:srgbClr val="FFFF00"/>
+                </a:highlight>
                 <a:latin typeface="Pretendard SemiBold" panose="02000703000000020004" pitchFamily="50" charset="-127"/>
                 <a:ea typeface="Pretendard SemiBold" panose="02000703000000020004" pitchFamily="50" charset="-127"/>
                 <a:cs typeface="Pretendard SemiBold" panose="02000703000000020004" pitchFamily="50" charset="-127"/>
@@ -4547,12 +4634,9 @@
               <a:t>yarn start</a:t>
             </a:r>
             <a:endParaRPr lang="ko-KR" altLang="en-US" sz="1400" dirty="0">
-              <a:solidFill>
-                <a:schemeClr val="tx1">
-                  <a:lumMod val="50000"/>
-                  <a:lumOff val="50000"/>
-                </a:schemeClr>
-              </a:solidFill>
+              <a:highlight>
+                <a:srgbClr val="FFFF00"/>
+              </a:highlight>
               <a:latin typeface="Pretendard SemiBold" panose="02000703000000020004" pitchFamily="50" charset="-127"/>
               <a:ea typeface="Pretendard SemiBold" panose="02000703000000020004" pitchFamily="50" charset="-127"/>
               <a:cs typeface="Pretendard SemiBold" panose="02000703000000020004" pitchFamily="50" charset="-127"/>
@@ -4574,7 +4658,7 @@
         </p:nvSpPr>
         <p:spPr>
           <a:xfrm>
-            <a:off x="8024985" y="2289750"/>
+            <a:off x="6767685" y="2890300"/>
             <a:ext cx="2696572" cy="307777"/>
           </a:xfrm>
           <a:prstGeom prst="rect">
@@ -4590,12 +4674,9 @@
           <a:p>
             <a:r>
               <a:rPr lang="en-US" altLang="ko-KR" sz="1400" dirty="0">
-                <a:solidFill>
-                  <a:schemeClr val="tx1">
-                    <a:lumMod val="50000"/>
-                    <a:lumOff val="50000"/>
-                  </a:schemeClr>
-                </a:solidFill>
+                <a:highlight>
+                  <a:srgbClr val="FFFF00"/>
+                </a:highlight>
                 <a:latin typeface="Pretendard SemiBold" panose="02000703000000020004" pitchFamily="50" charset="-127"/>
                 <a:ea typeface="Pretendard SemiBold" panose="02000703000000020004" pitchFamily="50" charset="-127"/>
                 <a:cs typeface="Pretendard SemiBold" panose="02000703000000020004" pitchFamily="50" charset="-127"/>
@@ -4603,12 +4684,9 @@
               <a:t>yarn create react-app my-app</a:t>
             </a:r>
             <a:endParaRPr lang="ko-KR" altLang="en-US" sz="1400" dirty="0">
-              <a:solidFill>
-                <a:schemeClr val="tx1">
-                  <a:lumMod val="50000"/>
-                  <a:lumOff val="50000"/>
-                </a:schemeClr>
-              </a:solidFill>
+              <a:highlight>
+                <a:srgbClr val="FFFF00"/>
+              </a:highlight>
               <a:latin typeface="Pretendard SemiBold" panose="02000703000000020004" pitchFamily="50" charset="-127"/>
               <a:ea typeface="Pretendard SemiBold" panose="02000703000000020004" pitchFamily="50" charset="-127"/>
               <a:cs typeface="Pretendard SemiBold" panose="02000703000000020004" pitchFamily="50" charset="-127"/>
@@ -4630,7 +4708,7 @@
         </p:nvSpPr>
         <p:spPr>
           <a:xfrm>
-            <a:off x="371232" y="5950148"/>
+            <a:off x="2038639" y="4969132"/>
             <a:ext cx="8114722" cy="307777"/>
           </a:xfrm>
           <a:prstGeom prst="rect">
@@ -4644,6 +4722,122 @@
           </a:bodyPr>
           <a:lstStyle/>
           <a:p>
+            <a:pPr algn="ctr"/>
+            <a:r>
+              <a:rPr lang="ko-KR" altLang="en-US" sz="1400" strike="sngStrike" dirty="0">
+                <a:solidFill>
+                  <a:schemeClr val="tx1">
+                    <a:lumMod val="50000"/>
+                    <a:lumOff val="50000"/>
+                  </a:schemeClr>
+                </a:solidFill>
+                <a:latin typeface="Pretendard SemiBold" panose="02000703000000020004" pitchFamily="50" charset="-127"/>
+                <a:ea typeface="Pretendard SemiBold" panose="02000703000000020004" pitchFamily="50" charset="-127"/>
+                <a:cs typeface="Pretendard SemiBold" panose="02000703000000020004" pitchFamily="50" charset="-127"/>
+              </a:rPr>
+              <a:t>근데 </a:t>
+            </a:r>
+            <a:r>
+              <a:rPr lang="en-US" altLang="ko-KR" sz="1400" strike="sngStrike" dirty="0">
+                <a:solidFill>
+                  <a:schemeClr val="tx1">
+                    <a:lumMod val="50000"/>
+                    <a:lumOff val="50000"/>
+                  </a:schemeClr>
+                </a:solidFill>
+                <a:latin typeface="Pretendard SemiBold" panose="02000703000000020004" pitchFamily="50" charset="-127"/>
+                <a:ea typeface="Pretendard SemiBold" panose="02000703000000020004" pitchFamily="50" charset="-127"/>
+                <a:cs typeface="Pretendard SemiBold" panose="02000703000000020004" pitchFamily="50" charset="-127"/>
+              </a:rPr>
+              <a:t>yarn </a:t>
+            </a:r>
+            <a:r>
+              <a:rPr lang="ko-KR" altLang="en-US" sz="1400" strike="sngStrike" dirty="0">
+                <a:solidFill>
+                  <a:schemeClr val="tx1">
+                    <a:lumMod val="50000"/>
+                    <a:lumOff val="50000"/>
+                  </a:schemeClr>
+                </a:solidFill>
+                <a:latin typeface="Pretendard SemiBold" panose="02000703000000020004" pitchFamily="50" charset="-127"/>
+                <a:ea typeface="Pretendard SemiBold" panose="02000703000000020004" pitchFamily="50" charset="-127"/>
+                <a:cs typeface="Pretendard SemiBold" panose="02000703000000020004" pitchFamily="50" charset="-127"/>
+              </a:rPr>
+              <a:t>명령어를 윈도우 환경에서 처음 실행하면 실행 정책을 변경하고 어쩌고 까다로우니까 </a:t>
+            </a:r>
+            <a:r>
+              <a:rPr lang="en-US" altLang="ko-KR" sz="1400" strike="sngStrike" dirty="0" err="1">
+                <a:solidFill>
+                  <a:schemeClr val="tx1">
+                    <a:lumMod val="50000"/>
+                    <a:lumOff val="50000"/>
+                  </a:schemeClr>
+                </a:solidFill>
+                <a:latin typeface="Pretendard SemiBold" panose="02000703000000020004" pitchFamily="50" charset="-127"/>
+                <a:ea typeface="Pretendard SemiBold" panose="02000703000000020004" pitchFamily="50" charset="-127"/>
+                <a:cs typeface="Pretendard SemiBold" panose="02000703000000020004" pitchFamily="50" charset="-127"/>
+              </a:rPr>
+              <a:t>npx</a:t>
+            </a:r>
+            <a:r>
+              <a:rPr lang="en-US" altLang="ko-KR" sz="1400" strike="sngStrike" dirty="0">
+                <a:solidFill>
+                  <a:schemeClr val="tx1">
+                    <a:lumMod val="50000"/>
+                    <a:lumOff val="50000"/>
+                  </a:schemeClr>
+                </a:solidFill>
+                <a:latin typeface="Pretendard SemiBold" panose="02000703000000020004" pitchFamily="50" charset="-127"/>
+                <a:ea typeface="Pretendard SemiBold" panose="02000703000000020004" pitchFamily="50" charset="-127"/>
+                <a:cs typeface="Pretendard SemiBold" panose="02000703000000020004" pitchFamily="50" charset="-127"/>
+              </a:rPr>
+              <a:t> </a:t>
+            </a:r>
+            <a:r>
+              <a:rPr lang="ko-KR" altLang="en-US" sz="1400" strike="sngStrike" dirty="0">
+                <a:solidFill>
+                  <a:schemeClr val="tx1">
+                    <a:lumMod val="50000"/>
+                    <a:lumOff val="50000"/>
+                  </a:schemeClr>
+                </a:solidFill>
+                <a:latin typeface="Pretendard SemiBold" panose="02000703000000020004" pitchFamily="50" charset="-127"/>
+                <a:ea typeface="Pretendard SemiBold" panose="02000703000000020004" pitchFamily="50" charset="-127"/>
+                <a:cs typeface="Pretendard SemiBold" panose="02000703000000020004" pitchFamily="50" charset="-127"/>
+              </a:rPr>
+              <a:t>사용할거임</a:t>
+            </a:r>
+          </a:p>
+        </p:txBody>
+      </p:sp>
+      <p:sp>
+        <p:nvSpPr>
+          <p:cNvPr id="10" name="TextBox 9">
+            <a:extLst>
+              <a:ext uri="{FF2B5EF4-FFF2-40B4-BE49-F238E27FC236}">
+                <a16:creationId xmlns:a16="http://schemas.microsoft.com/office/drawing/2014/main" id="{EB751D51-BA4B-C727-8A47-6E8410094E7F}"/>
+              </a:ext>
+            </a:extLst>
+          </p:cNvPr>
+          <p:cNvSpPr txBox="1"/>
+          <p:nvPr/>
+        </p:nvSpPr>
+        <p:spPr>
+          <a:xfrm>
+            <a:off x="371232" y="1304091"/>
+            <a:ext cx="7318029" cy="307777"/>
+          </a:xfrm>
+          <a:prstGeom prst="rect">
+            <a:avLst/>
+          </a:prstGeom>
+          <a:noFill/>
+        </p:spPr>
+        <p:txBody>
+          <a:bodyPr wrap="none" rtlCol="0">
+            <a:spAutoFit/>
+          </a:bodyPr>
+          <a:lstStyle/>
+          <a:p>
             <a:r>
               <a:rPr lang="ko-KR" altLang="en-US" sz="1400" dirty="0">
                 <a:solidFill>
@@ -4656,10 +4850,10 @@
                 <a:ea typeface="Pretendard SemiBold" panose="02000703000000020004" pitchFamily="50" charset="-127"/>
                 <a:cs typeface="Pretendard SemiBold" panose="02000703000000020004" pitchFamily="50" charset="-127"/>
               </a:rPr>
-              <a:t>근데 </a:t>
-            </a:r>
-            <a:r>
-              <a:rPr lang="en-US" altLang="ko-KR" sz="1400" dirty="0">
+              <a:t>정책이 그 사이 또 </a:t>
+            </a:r>
+            <a:r>
+              <a:rPr lang="ko-KR" altLang="en-US" sz="1400" dirty="0" err="1">
                 <a:solidFill>
                   <a:schemeClr val="tx1">
                     <a:lumMod val="50000"/>
@@ -4670,7 +4864,7 @@
                 <a:ea typeface="Pretendard SemiBold" panose="02000703000000020004" pitchFamily="50" charset="-127"/>
                 <a:cs typeface="Pretendard SemiBold" panose="02000703000000020004" pitchFamily="50" charset="-127"/>
               </a:rPr>
-              <a:t>yarn </a:t>
+              <a:t>바껴서</a:t>
             </a:r>
             <a:r>
               <a:rPr lang="ko-KR" altLang="en-US" sz="1400" dirty="0">
@@ -4684,7 +4878,7 @@
                 <a:ea typeface="Pretendard SemiBold" panose="02000703000000020004" pitchFamily="50" charset="-127"/>
                 <a:cs typeface="Pretendard SemiBold" panose="02000703000000020004" pitchFamily="50" charset="-127"/>
               </a:rPr>
-              <a:t>명령어를 윈도우 환경에서 처음 실행하면 실행 정책을 변경하고 어쩌고 까다로우니까 </a:t>
+              <a:t> </a:t>
             </a:r>
             <a:r>
               <a:rPr lang="en-US" altLang="ko-KR" sz="1400" dirty="0" err="1">
@@ -4698,7 +4892,7 @@
                 <a:ea typeface="Pretendard SemiBold" panose="02000703000000020004" pitchFamily="50" charset="-127"/>
                 <a:cs typeface="Pretendard SemiBold" panose="02000703000000020004" pitchFamily="50" charset="-127"/>
               </a:rPr>
-              <a:t>npm</a:t>
+              <a:t>npx</a:t>
             </a:r>
             <a:r>
               <a:rPr lang="en-US" altLang="ko-KR" sz="1400" dirty="0">
@@ -4726,11 +4920,348 @@
                 <a:ea typeface="Pretendard SemiBold" panose="02000703000000020004" pitchFamily="50" charset="-127"/>
                 <a:cs typeface="Pretendard SemiBold" panose="02000703000000020004" pitchFamily="50" charset="-127"/>
               </a:rPr>
-              <a:t>사용할거임</a:t>
-            </a:r>
-          </a:p>
-        </p:txBody>
-      </p:sp>
+              <a:t>아예 사용하지도 못하게 해버렸답니다</a:t>
+            </a:r>
+            <a:r>
+              <a:rPr lang="en-US" altLang="ko-KR" sz="1400" dirty="0">
+                <a:solidFill>
+                  <a:schemeClr val="tx1">
+                    <a:lumMod val="50000"/>
+                    <a:lumOff val="50000"/>
+                  </a:schemeClr>
+                </a:solidFill>
+                <a:latin typeface="Pretendard SemiBold" panose="02000703000000020004" pitchFamily="50" charset="-127"/>
+                <a:ea typeface="Pretendard SemiBold" panose="02000703000000020004" pitchFamily="50" charset="-127"/>
+                <a:cs typeface="Pretendard SemiBold" panose="02000703000000020004" pitchFamily="50" charset="-127"/>
+              </a:rPr>
+              <a:t>.. -&gt; yarn </a:t>
+            </a:r>
+            <a:r>
+              <a:rPr lang="ko-KR" altLang="en-US" sz="1400" dirty="0">
+                <a:solidFill>
+                  <a:schemeClr val="tx1">
+                    <a:lumMod val="50000"/>
+                    <a:lumOff val="50000"/>
+                  </a:schemeClr>
+                </a:solidFill>
+                <a:latin typeface="Pretendard SemiBold" panose="02000703000000020004" pitchFamily="50" charset="-127"/>
+                <a:ea typeface="Pretendard SemiBold" panose="02000703000000020004" pitchFamily="50" charset="-127"/>
+                <a:cs typeface="Pretendard SemiBold" panose="02000703000000020004" pitchFamily="50" charset="-127"/>
+              </a:rPr>
+              <a:t>명령어로 설치하세요</a:t>
+            </a:r>
+          </a:p>
+        </p:txBody>
+      </p:sp>
+      <p:sp>
+        <p:nvSpPr>
+          <p:cNvPr id="11" name="TextBox 10">
+            <a:extLst>
+              <a:ext uri="{FF2B5EF4-FFF2-40B4-BE49-F238E27FC236}">
+                <a16:creationId xmlns:a16="http://schemas.microsoft.com/office/drawing/2014/main" id="{B59DFD26-964C-40FB-C595-B114C3145EDF}"/>
+              </a:ext>
+            </a:extLst>
+          </p:cNvPr>
+          <p:cNvSpPr txBox="1"/>
+          <p:nvPr/>
+        </p:nvSpPr>
+        <p:spPr>
+          <a:xfrm>
+            <a:off x="428423" y="6073259"/>
+            <a:ext cx="11335154" cy="184666"/>
+          </a:xfrm>
+          <a:prstGeom prst="rect">
+            <a:avLst/>
+          </a:prstGeom>
+          <a:noFill/>
+        </p:spPr>
+        <p:txBody>
+          <a:bodyPr wrap="none" rtlCol="0">
+            <a:spAutoFit/>
+          </a:bodyPr>
+          <a:lstStyle/>
+          <a:p>
+            <a:pPr algn="ctr"/>
+            <a:r>
+              <a:rPr lang="en-US" altLang="ko-KR" sz="600" dirty="0">
+                <a:latin typeface="Pretendard SemiBold" panose="02000703000000020004" pitchFamily="50" charset="-127"/>
+                <a:ea typeface="Pretendard SemiBold" panose="02000703000000020004" pitchFamily="50" charset="-127"/>
+                <a:cs typeface="Pretendard SemiBold" panose="02000703000000020004" pitchFamily="50" charset="-127"/>
+                <a:hlinkClick r:id="rId2"/>
+              </a:rPr>
+              <a:t>https://velog.io/@hyeongjun/ERR-create-react-app%EC%97%90%EC%84%9C-code-ERESOLVE-%EC%97%90%EB%9F%AC-%EB%B0%9C%EC%83%9D#%F0%9F%9F%A2-yarn%EC%9D%84-%EC%82%AC%EC%9A%A9%ED%95%98%EC%97%AC-%ED%95%B4%EA%B2%B0%ED%95%98%EA%B8%B0</a:t>
+            </a:r>
+            <a:endParaRPr lang="en-US" altLang="ko-KR" sz="600" dirty="0">
+              <a:latin typeface="Pretendard SemiBold" panose="02000703000000020004" pitchFamily="50" charset="-127"/>
+              <a:ea typeface="Pretendard SemiBold" panose="02000703000000020004" pitchFamily="50" charset="-127"/>
+              <a:cs typeface="Pretendard SemiBold" panose="02000703000000020004" pitchFamily="50" charset="-127"/>
+            </a:endParaRPr>
+          </a:p>
+        </p:txBody>
+      </p:sp>
+      <p:sp>
+        <p:nvSpPr>
+          <p:cNvPr id="12" name="TextBox 11">
+            <a:extLst>
+              <a:ext uri="{FF2B5EF4-FFF2-40B4-BE49-F238E27FC236}">
+                <a16:creationId xmlns:a16="http://schemas.microsoft.com/office/drawing/2014/main" id="{A8F8673A-6A3B-F1F0-69FD-F73D386005D0}"/>
+              </a:ext>
+            </a:extLst>
+          </p:cNvPr>
+          <p:cNvSpPr txBox="1"/>
+          <p:nvPr/>
+        </p:nvSpPr>
+        <p:spPr>
+          <a:xfrm>
+            <a:off x="2342907" y="5765482"/>
+            <a:ext cx="7506186" cy="307777"/>
+          </a:xfrm>
+          <a:prstGeom prst="rect">
+            <a:avLst/>
+          </a:prstGeom>
+          <a:noFill/>
+        </p:spPr>
+        <p:txBody>
+          <a:bodyPr wrap="square">
+            <a:spAutoFit/>
+          </a:bodyPr>
+          <a:lstStyle/>
+          <a:p>
+            <a:pPr algn="ctr"/>
+            <a:r>
+              <a:rPr lang="ko-KR" altLang="en-US" sz="1400" dirty="0">
+                <a:latin typeface="Pretendard SemiBold" panose="02000703000000020004" pitchFamily="50" charset="-127"/>
+                <a:ea typeface="Pretendard SemiBold" panose="02000703000000020004" pitchFamily="50" charset="-127"/>
+                <a:cs typeface="Pretendard SemiBold" panose="02000703000000020004" pitchFamily="50" charset="-127"/>
+              </a:rPr>
+              <a:t>아래 블로그 들어가서 </a:t>
+            </a:r>
+            <a:r>
+              <a:rPr lang="en-US" altLang="ko-KR" sz="1400" dirty="0">
+                <a:latin typeface="Pretendard SemiBold" panose="02000703000000020004" pitchFamily="50" charset="-127"/>
+                <a:ea typeface="Pretendard SemiBold" panose="02000703000000020004" pitchFamily="50" charset="-127"/>
+                <a:cs typeface="Pretendard SemiBold" panose="02000703000000020004" pitchFamily="50" charset="-127"/>
+              </a:rPr>
+              <a:t>[</a:t>
+            </a:r>
+            <a:r>
+              <a:rPr lang="ko-KR" altLang="en-US" sz="1400" dirty="0">
+                <a:latin typeface="Pretendard SemiBold" panose="02000703000000020004" pitchFamily="50" charset="-127"/>
+                <a:ea typeface="Pretendard SemiBold" panose="02000703000000020004" pitchFamily="50" charset="-127"/>
+                <a:cs typeface="Pretendard SemiBold" panose="02000703000000020004" pitchFamily="50" charset="-127"/>
+              </a:rPr>
+              <a:t>🟢 </a:t>
+            </a:r>
+            <a:r>
+              <a:rPr lang="en-US" altLang="ko-KR" sz="1400" dirty="0">
+                <a:latin typeface="Pretendard SemiBold" panose="02000703000000020004" pitchFamily="50" charset="-127"/>
+                <a:ea typeface="Pretendard SemiBold" panose="02000703000000020004" pitchFamily="50" charset="-127"/>
+                <a:cs typeface="Pretendard SemiBold" panose="02000703000000020004" pitchFamily="50" charset="-127"/>
+              </a:rPr>
+              <a:t>Yarn</a:t>
+            </a:r>
+            <a:r>
+              <a:rPr lang="ko-KR" altLang="en-US" sz="1400" dirty="0">
+                <a:latin typeface="Pretendard SemiBold" panose="02000703000000020004" pitchFamily="50" charset="-127"/>
+                <a:ea typeface="Pretendard SemiBold" panose="02000703000000020004" pitchFamily="50" charset="-127"/>
+                <a:cs typeface="Pretendard SemiBold" panose="02000703000000020004" pitchFamily="50" charset="-127"/>
+              </a:rPr>
+              <a:t>을 사용하여 해결하기</a:t>
+            </a:r>
+            <a:r>
+              <a:rPr lang="en-US" altLang="ko-KR" sz="1400" dirty="0">
+                <a:latin typeface="Pretendard SemiBold" panose="02000703000000020004" pitchFamily="50" charset="-127"/>
+                <a:ea typeface="Pretendard SemiBold" panose="02000703000000020004" pitchFamily="50" charset="-127"/>
+                <a:cs typeface="Pretendard SemiBold" panose="02000703000000020004" pitchFamily="50" charset="-127"/>
+              </a:rPr>
+              <a:t>] </a:t>
+            </a:r>
+            <a:r>
+              <a:rPr lang="ko-KR" altLang="en-US" sz="1400" dirty="0">
+                <a:latin typeface="Pretendard SemiBold" panose="02000703000000020004" pitchFamily="50" charset="-127"/>
+                <a:ea typeface="Pretendard SemiBold" panose="02000703000000020004" pitchFamily="50" charset="-127"/>
+                <a:cs typeface="Pretendard SemiBold" panose="02000703000000020004" pitchFamily="50" charset="-127"/>
+              </a:rPr>
+              <a:t>부분 참고해서 </a:t>
+            </a:r>
+            <a:r>
+              <a:rPr lang="en-US" altLang="ko-KR" sz="1400" dirty="0">
+                <a:latin typeface="Pretendard SemiBold" panose="02000703000000020004" pitchFamily="50" charset="-127"/>
+                <a:ea typeface="Pretendard SemiBold" panose="02000703000000020004" pitchFamily="50" charset="-127"/>
+                <a:cs typeface="Pretendard SemiBold" panose="02000703000000020004" pitchFamily="50" charset="-127"/>
+              </a:rPr>
+              <a:t>yarn </a:t>
+            </a:r>
+            <a:r>
+              <a:rPr lang="ko-KR" altLang="en-US" sz="1400" dirty="0">
+                <a:latin typeface="Pretendard SemiBold" panose="02000703000000020004" pitchFamily="50" charset="-127"/>
+                <a:ea typeface="Pretendard SemiBold" panose="02000703000000020004" pitchFamily="50" charset="-127"/>
+                <a:cs typeface="Pretendard SemiBold" panose="02000703000000020004" pitchFamily="50" charset="-127"/>
+              </a:rPr>
+              <a:t>명령어 사용해보세요</a:t>
+            </a:r>
+            <a:endParaRPr lang="en-US" altLang="ko-KR" sz="1400" dirty="0">
+              <a:latin typeface="Pretendard SemiBold" panose="02000703000000020004" pitchFamily="50" charset="-127"/>
+              <a:ea typeface="Pretendard SemiBold" panose="02000703000000020004" pitchFamily="50" charset="-127"/>
+              <a:cs typeface="Pretendard SemiBold" panose="02000703000000020004" pitchFamily="50" charset="-127"/>
+            </a:endParaRPr>
+          </a:p>
+        </p:txBody>
+      </p:sp>
+      <p:sp>
+        <p:nvSpPr>
+          <p:cNvPr id="13" name="TextBox 12">
+            <a:extLst>
+              <a:ext uri="{FF2B5EF4-FFF2-40B4-BE49-F238E27FC236}">
+                <a16:creationId xmlns:a16="http://schemas.microsoft.com/office/drawing/2014/main" id="{E8AECAE0-FF31-DCD4-F047-A8923DA98977}"/>
+              </a:ext>
+            </a:extLst>
+          </p:cNvPr>
+          <p:cNvSpPr txBox="1"/>
+          <p:nvPr/>
+        </p:nvSpPr>
+        <p:spPr>
+          <a:xfrm>
+            <a:off x="6767685" y="3351965"/>
+            <a:ext cx="1114408" cy="307777"/>
+          </a:xfrm>
+          <a:prstGeom prst="rect">
+            <a:avLst/>
+          </a:prstGeom>
+          <a:noFill/>
+        </p:spPr>
+        <p:txBody>
+          <a:bodyPr wrap="none" rtlCol="0">
+            <a:spAutoFit/>
+          </a:bodyPr>
+          <a:lstStyle/>
+          <a:p>
+            <a:r>
+              <a:rPr lang="en-US" altLang="ko-KR" sz="1400" dirty="0">
+                <a:highlight>
+                  <a:srgbClr val="FFFF00"/>
+                </a:highlight>
+                <a:latin typeface="Pretendard SemiBold" panose="02000703000000020004" pitchFamily="50" charset="-127"/>
+                <a:ea typeface="Pretendard SemiBold" panose="02000703000000020004" pitchFamily="50" charset="-127"/>
+                <a:cs typeface="Pretendard SemiBold" panose="02000703000000020004" pitchFamily="50" charset="-127"/>
+              </a:rPr>
+              <a:t>cd my-app</a:t>
+            </a:r>
+            <a:endParaRPr lang="ko-KR" altLang="en-US" sz="1400" dirty="0">
+              <a:highlight>
+                <a:srgbClr val="FFFF00"/>
+              </a:highlight>
+              <a:latin typeface="Pretendard SemiBold" panose="02000703000000020004" pitchFamily="50" charset="-127"/>
+              <a:ea typeface="Pretendard SemiBold" panose="02000703000000020004" pitchFamily="50" charset="-127"/>
+              <a:cs typeface="Pretendard SemiBold" panose="02000703000000020004" pitchFamily="50" charset="-127"/>
+            </a:endParaRPr>
+          </a:p>
+        </p:txBody>
+      </p:sp>
+      <p:sp>
+        <p:nvSpPr>
+          <p:cNvPr id="14" name="TextBox 13">
+            <a:extLst>
+              <a:ext uri="{FF2B5EF4-FFF2-40B4-BE49-F238E27FC236}">
+                <a16:creationId xmlns:a16="http://schemas.microsoft.com/office/drawing/2014/main" id="{2DE54EBA-50FB-7522-C726-B61B2BD2833A}"/>
+              </a:ext>
+            </a:extLst>
+          </p:cNvPr>
+          <p:cNvSpPr txBox="1"/>
+          <p:nvPr/>
+        </p:nvSpPr>
+        <p:spPr>
+          <a:xfrm>
+            <a:off x="371232" y="1856154"/>
+            <a:ext cx="2342308" cy="307777"/>
+          </a:xfrm>
+          <a:prstGeom prst="rect">
+            <a:avLst/>
+          </a:prstGeom>
+          <a:noFill/>
+        </p:spPr>
+        <p:txBody>
+          <a:bodyPr wrap="none" rtlCol="0">
+            <a:spAutoFit/>
+          </a:bodyPr>
+          <a:lstStyle/>
+          <a:p>
+            <a:r>
+              <a:rPr lang="ko-KR" altLang="en-US" sz="1400" dirty="0">
+                <a:latin typeface="Pretendard SemiBold" panose="02000703000000020004" pitchFamily="50" charset="-127"/>
+                <a:ea typeface="Pretendard SemiBold" panose="02000703000000020004" pitchFamily="50" charset="-127"/>
+                <a:cs typeface="Pretendard SemiBold" panose="02000703000000020004" pitchFamily="50" charset="-127"/>
+              </a:rPr>
+              <a:t>이제 프로젝트를 </a:t>
+            </a:r>
+            <a:r>
+              <a:rPr lang="ko-KR" altLang="en-US" sz="1400" dirty="0" err="1">
+                <a:latin typeface="Pretendard SemiBold" panose="02000703000000020004" pitchFamily="50" charset="-127"/>
+                <a:ea typeface="Pretendard SemiBold" panose="02000703000000020004" pitchFamily="50" charset="-127"/>
+                <a:cs typeface="Pretendard SemiBold" panose="02000703000000020004" pitchFamily="50" charset="-127"/>
+              </a:rPr>
+              <a:t>만들어볼게요</a:t>
+            </a:r>
+            <a:r>
+              <a:rPr lang="en-US" altLang="ko-KR" sz="1400" dirty="0">
+                <a:latin typeface="Pretendard SemiBold" panose="02000703000000020004" pitchFamily="50" charset="-127"/>
+                <a:ea typeface="Pretendard SemiBold" panose="02000703000000020004" pitchFamily="50" charset="-127"/>
+                <a:cs typeface="Pretendard SemiBold" panose="02000703000000020004" pitchFamily="50" charset="-127"/>
+              </a:rPr>
+              <a:t>.</a:t>
+            </a:r>
+            <a:endParaRPr lang="ko-KR" altLang="en-US" sz="1400" dirty="0">
+              <a:latin typeface="Pretendard SemiBold" panose="02000703000000020004" pitchFamily="50" charset="-127"/>
+              <a:ea typeface="Pretendard SemiBold" panose="02000703000000020004" pitchFamily="50" charset="-127"/>
+              <a:cs typeface="Pretendard SemiBold" panose="02000703000000020004" pitchFamily="50" charset="-127"/>
+            </a:endParaRPr>
+          </a:p>
+        </p:txBody>
+      </p:sp>
+      <p:cxnSp>
+        <p:nvCxnSpPr>
+          <p:cNvPr id="16" name="직선 화살표 연결선 15">
+            <a:extLst>
+              <a:ext uri="{FF2B5EF4-FFF2-40B4-BE49-F238E27FC236}">
+                <a16:creationId xmlns:a16="http://schemas.microsoft.com/office/drawing/2014/main" id="{7B1D31AE-D48B-FF06-1B85-164C19A1CE83}"/>
+              </a:ext>
+            </a:extLst>
+          </p:cNvPr>
+          <p:cNvCxnSpPr>
+            <a:stCxn id="6" idx="3"/>
+          </p:cNvCxnSpPr>
+          <p:nvPr/>
+        </p:nvCxnSpPr>
+        <p:spPr>
+          <a:xfrm>
+            <a:off x="7125004" y="2443638"/>
+            <a:ext cx="564257" cy="318612"/>
+          </a:xfrm>
+          <a:prstGeom prst="straightConnector1">
+            <a:avLst/>
+          </a:prstGeom>
+          <a:ln>
+            <a:solidFill>
+              <a:schemeClr val="tx1"/>
+            </a:solidFill>
+            <a:tailEnd type="triangle"/>
+          </a:ln>
+        </p:spPr>
+        <p:style>
+          <a:lnRef idx="2">
+            <a:schemeClr val="accent1"/>
+          </a:lnRef>
+          <a:fillRef idx="0">
+            <a:schemeClr val="accent1"/>
+          </a:fillRef>
+          <a:effectRef idx="1">
+            <a:schemeClr val="accent1"/>
+          </a:effectRef>
+          <a:fontRef idx="minor">
+            <a:schemeClr val="tx1"/>
+          </a:fontRef>
+        </p:style>
+      </p:cxnSp>
     </p:spTree>
     <p:extLst>
       <p:ext uri="{BB962C8B-B14F-4D97-AF65-F5344CB8AC3E}">
@@ -4782,7 +5313,7 @@
         <p:spPr>
           <a:xfrm>
             <a:off x="371232" y="600075"/>
-            <a:ext cx="2270173" cy="369332"/>
+            <a:ext cx="5279009" cy="369332"/>
           </a:xfrm>
           <a:prstGeom prst="rect">
             <a:avLst/>
@@ -4809,93 +5340,10 @@
                 <a:ea typeface="Pretendard SemiBold" panose="02000703000000020004" pitchFamily="50" charset="-127"/>
                 <a:cs typeface="Pretendard SemiBold" panose="02000703000000020004" pitchFamily="50" charset="-127"/>
               </a:rPr>
-              <a:t>근데 오류가 나죠</a:t>
-            </a:r>
-            <a:r>
-              <a:rPr lang="en-US" altLang="ko-KR" dirty="0">
-                <a:latin typeface="Pretendard SemiBold" panose="02000703000000020004" pitchFamily="50" charset="-127"/>
-                <a:ea typeface="Pretendard SemiBold" panose="02000703000000020004" pitchFamily="50" charset="-127"/>
-                <a:cs typeface="Pretendard SemiBold" panose="02000703000000020004" pitchFamily="50" charset="-127"/>
-              </a:rPr>
-              <a:t>?</a:t>
-            </a:r>
-            <a:endParaRPr lang="ko-KR" altLang="en-US" dirty="0">
-              <a:latin typeface="Pretendard SemiBold" panose="02000703000000020004" pitchFamily="50" charset="-127"/>
-              <a:ea typeface="Pretendard SemiBold" panose="02000703000000020004" pitchFamily="50" charset="-127"/>
-              <a:cs typeface="Pretendard SemiBold" panose="02000703000000020004" pitchFamily="50" charset="-127"/>
-            </a:endParaRPr>
-          </a:p>
-        </p:txBody>
-      </p:sp>
-      <p:sp>
-        <p:nvSpPr>
-          <p:cNvPr id="3" name="TextBox 2">
-            <a:extLst>
-              <a:ext uri="{FF2B5EF4-FFF2-40B4-BE49-F238E27FC236}">
-                <a16:creationId xmlns:a16="http://schemas.microsoft.com/office/drawing/2014/main" id="{A9CF893E-EF3A-4FEA-B22E-75735930BA1C}"/>
-              </a:ext>
-            </a:extLst>
-          </p:cNvPr>
-          <p:cNvSpPr txBox="1"/>
-          <p:nvPr/>
-        </p:nvSpPr>
-        <p:spPr>
-          <a:xfrm>
-            <a:off x="371232" y="969407"/>
-            <a:ext cx="3895618" cy="523220"/>
-          </a:xfrm>
-          <a:prstGeom prst="rect">
-            <a:avLst/>
-          </a:prstGeom>
-          <a:noFill/>
-        </p:spPr>
-        <p:txBody>
-          <a:bodyPr wrap="none" rtlCol="0">
-            <a:spAutoFit/>
-          </a:bodyPr>
-          <a:lstStyle/>
-          <a:p>
-            <a:r>
-              <a:rPr lang="ko-KR" altLang="en-US" sz="1400" dirty="0">
-                <a:latin typeface="Pretendard SemiBold" panose="02000703000000020004" pitchFamily="50" charset="-127"/>
-                <a:ea typeface="Pretendard SemiBold" panose="02000703000000020004" pitchFamily="50" charset="-127"/>
-                <a:cs typeface="Pretendard SemiBold" panose="02000703000000020004" pitchFamily="50" charset="-127"/>
-              </a:rPr>
-              <a:t>최신 트랜드를 따라가지 않은 죄값 </a:t>
-            </a:r>
-            <a:r>
-              <a:rPr lang="ko-KR" altLang="en-US" sz="1400" dirty="0" err="1">
-                <a:latin typeface="Pretendard SemiBold" panose="02000703000000020004" pitchFamily="50" charset="-127"/>
-                <a:ea typeface="Pretendard SemiBold" panose="02000703000000020004" pitchFamily="50" charset="-127"/>
-                <a:cs typeface="Pretendard SemiBold" panose="02000703000000020004" pitchFamily="50" charset="-127"/>
-              </a:rPr>
-              <a:t>ㅎㅎ</a:t>
-            </a:r>
-            <a:endParaRPr lang="en-US" altLang="ko-KR" sz="1400" dirty="0">
-              <a:latin typeface="Pretendard SemiBold" panose="02000703000000020004" pitchFamily="50" charset="-127"/>
-              <a:ea typeface="Pretendard SemiBold" panose="02000703000000020004" pitchFamily="50" charset="-127"/>
-              <a:cs typeface="Pretendard SemiBold" panose="02000703000000020004" pitchFamily="50" charset="-127"/>
-            </a:endParaRPr>
-          </a:p>
-          <a:p>
-            <a:r>
-              <a:rPr lang="en-US" altLang="ko-KR" sz="1400" dirty="0">
-                <a:latin typeface="Pretendard SemiBold" panose="02000703000000020004" pitchFamily="50" charset="-127"/>
-                <a:ea typeface="Pretendard SemiBold" panose="02000703000000020004" pitchFamily="50" charset="-127"/>
-                <a:cs typeface="Pretendard SemiBold" panose="02000703000000020004" pitchFamily="50" charset="-127"/>
-              </a:rPr>
-              <a:t>2025</a:t>
-            </a:r>
-            <a:r>
-              <a:rPr lang="ko-KR" altLang="en-US" sz="1400" dirty="0">
-                <a:latin typeface="Pretendard SemiBold" panose="02000703000000020004" pitchFamily="50" charset="-127"/>
-                <a:ea typeface="Pretendard SemiBold" panose="02000703000000020004" pitchFamily="50" charset="-127"/>
-                <a:cs typeface="Pretendard SemiBold" panose="02000703000000020004" pitchFamily="50" charset="-127"/>
-              </a:rPr>
-              <a:t>년부터 </a:t>
-            </a:r>
-            <a:r>
-              <a:rPr lang="en-US" altLang="ko-KR" sz="1400" dirty="0" err="1">
+              <a:t>만약 </a:t>
+            </a:r>
+            <a:r>
+              <a:rPr lang="en-US" altLang="ko-KR" dirty="0" err="1">
                 <a:latin typeface="Pretendard SemiBold" panose="02000703000000020004" pitchFamily="50" charset="-127"/>
                 <a:ea typeface="Pretendard SemiBold" panose="02000703000000020004" pitchFamily="50" charset="-127"/>
                 <a:cs typeface="Pretendard SemiBold" panose="02000703000000020004" pitchFamily="50" charset="-127"/>
@@ -4903,34 +5351,13 @@
               <a:t>npm</a:t>
             </a:r>
             <a:r>
-              <a:rPr lang="ko-KR" altLang="en-US" sz="1400" dirty="0">
-                <a:latin typeface="Pretendard SemiBold" panose="02000703000000020004" pitchFamily="50" charset="-127"/>
-                <a:ea typeface="Pretendard SemiBold" panose="02000703000000020004" pitchFamily="50" charset="-127"/>
-                <a:cs typeface="Pretendard SemiBold" panose="02000703000000020004" pitchFamily="50" charset="-127"/>
-              </a:rPr>
-              <a:t> 명령어 사용하면 </a:t>
-            </a:r>
-            <a:r>
-              <a:rPr lang="ko-KR" altLang="en-US" sz="1400" dirty="0" err="1">
-                <a:latin typeface="Pretendard SemiBold" panose="02000703000000020004" pitchFamily="50" charset="-127"/>
-                <a:ea typeface="Pretendard SemiBold" panose="02000703000000020004" pitchFamily="50" charset="-127"/>
-                <a:cs typeface="Pretendard SemiBold" panose="02000703000000020004" pitchFamily="50" charset="-127"/>
-              </a:rPr>
-              <a:t>저따구로</a:t>
-            </a:r>
-            <a:r>
-              <a:rPr lang="ko-KR" altLang="en-US" sz="1400" dirty="0">
-                <a:latin typeface="Pretendard SemiBold" panose="02000703000000020004" pitchFamily="50" charset="-127"/>
-                <a:ea typeface="Pretendard SemiBold" panose="02000703000000020004" pitchFamily="50" charset="-127"/>
-                <a:cs typeface="Pretendard SemiBold" panose="02000703000000020004" pitchFamily="50" charset="-127"/>
-              </a:rPr>
-              <a:t> 오류 남</a:t>
-            </a:r>
-            <a:endParaRPr lang="en-US" altLang="ko-KR" sz="1400" dirty="0">
-              <a:latin typeface="Pretendard SemiBold" panose="02000703000000020004" pitchFamily="50" charset="-127"/>
-              <a:ea typeface="Pretendard SemiBold" panose="02000703000000020004" pitchFamily="50" charset="-127"/>
-              <a:cs typeface="Pretendard SemiBold" panose="02000703000000020004" pitchFamily="50" charset="-127"/>
-            </a:endParaRPr>
+              <a:rPr lang="ko-KR" altLang="en-US" dirty="0">
+                <a:latin typeface="Pretendard SemiBold" panose="02000703000000020004" pitchFamily="50" charset="-127"/>
+                <a:ea typeface="Pretendard SemiBold" panose="02000703000000020004" pitchFamily="50" charset="-127"/>
+                <a:cs typeface="Pretendard SemiBold" panose="02000703000000020004" pitchFamily="50" charset="-127"/>
+              </a:rPr>
+              <a:t>으로 실행 성공했다고 쳐도 이런 오류 남</a:t>
+            </a:r>
           </a:p>
         </p:txBody>
       </p:sp>
@@ -4981,86 +5408,6 @@
           </a:extLst>
         </p:spPr>
       </p:pic>
-      <p:sp>
-        <p:nvSpPr>
-          <p:cNvPr id="10" name="TextBox 9">
-            <a:extLst>
-              <a:ext uri="{FF2B5EF4-FFF2-40B4-BE49-F238E27FC236}">
-                <a16:creationId xmlns:a16="http://schemas.microsoft.com/office/drawing/2014/main" id="{10C45986-9DF7-E7A8-D98D-25517D0045E9}"/>
-              </a:ext>
-            </a:extLst>
-          </p:cNvPr>
-          <p:cNvSpPr txBox="1"/>
-          <p:nvPr/>
-        </p:nvSpPr>
-        <p:spPr>
-          <a:xfrm>
-            <a:off x="3143920" y="5365375"/>
-            <a:ext cx="5904181" cy="523220"/>
-          </a:xfrm>
-          <a:prstGeom prst="rect">
-            <a:avLst/>
-          </a:prstGeom>
-          <a:noFill/>
-        </p:spPr>
-        <p:txBody>
-          <a:bodyPr wrap="none" rtlCol="0">
-            <a:spAutoFit/>
-          </a:bodyPr>
-          <a:lstStyle/>
-          <a:p>
-            <a:pPr algn="ctr"/>
-            <a:r>
-              <a:rPr lang="ko-KR" altLang="en-US" sz="1400" dirty="0">
-                <a:latin typeface="Pretendard SemiBold" panose="02000703000000020004" pitchFamily="50" charset="-127"/>
-                <a:ea typeface="Pretendard SemiBold" panose="02000703000000020004" pitchFamily="50" charset="-127"/>
-                <a:cs typeface="Pretendard SemiBold" panose="02000703000000020004" pitchFamily="50" charset="-127"/>
-              </a:rPr>
-              <a:t>이 오류가 남에도 일부러 </a:t>
-            </a:r>
-            <a:r>
-              <a:rPr lang="en-US" altLang="ko-KR" sz="1400" dirty="0" err="1">
-                <a:latin typeface="Pretendard SemiBold" panose="02000703000000020004" pitchFamily="50" charset="-127"/>
-                <a:ea typeface="Pretendard SemiBold" panose="02000703000000020004" pitchFamily="50" charset="-127"/>
-                <a:cs typeface="Pretendard SemiBold" panose="02000703000000020004" pitchFamily="50" charset="-127"/>
-              </a:rPr>
-              <a:t>npm</a:t>
-            </a:r>
-            <a:r>
-              <a:rPr lang="ko-KR" altLang="en-US" sz="1400" dirty="0">
-                <a:latin typeface="Pretendard SemiBold" panose="02000703000000020004" pitchFamily="50" charset="-127"/>
-                <a:ea typeface="Pretendard SemiBold" panose="02000703000000020004" pitchFamily="50" charset="-127"/>
-                <a:cs typeface="Pretendard SemiBold" panose="02000703000000020004" pitchFamily="50" charset="-127"/>
-              </a:rPr>
-              <a:t>으로 실행시킨 이유는</a:t>
-            </a:r>
-            <a:endParaRPr lang="en-US" altLang="ko-KR" sz="1400" dirty="0">
-              <a:latin typeface="Pretendard SemiBold" panose="02000703000000020004" pitchFamily="50" charset="-127"/>
-              <a:ea typeface="Pretendard SemiBold" panose="02000703000000020004" pitchFamily="50" charset="-127"/>
-              <a:cs typeface="Pretendard SemiBold" panose="02000703000000020004" pitchFamily="50" charset="-127"/>
-            </a:endParaRPr>
-          </a:p>
-          <a:p>
-            <a:pPr algn="ctr"/>
-            <a:r>
-              <a:rPr lang="ko-KR" altLang="en-US" sz="1400" dirty="0">
-                <a:latin typeface="Pretendard SemiBold" panose="02000703000000020004" pitchFamily="50" charset="-127"/>
-                <a:ea typeface="Pretendard SemiBold" panose="02000703000000020004" pitchFamily="50" charset="-127"/>
-                <a:cs typeface="Pretendard SemiBold" panose="02000703000000020004" pitchFamily="50" charset="-127"/>
-              </a:rPr>
-              <a:t>여러분들이 머리 부여잡고 해내야 할 것들이 이 에러 메시지에 담겨있기 때문입니다</a:t>
-            </a:r>
-            <a:r>
-              <a:rPr lang="en-US" altLang="ko-KR" sz="1400" dirty="0">
-                <a:latin typeface="Pretendard SemiBold" panose="02000703000000020004" pitchFamily="50" charset="-127"/>
-                <a:ea typeface="Pretendard SemiBold" panose="02000703000000020004" pitchFamily="50" charset="-127"/>
-                <a:cs typeface="Pretendard SemiBold" panose="02000703000000020004" pitchFamily="50" charset="-127"/>
-              </a:rPr>
-              <a:t>.</a:t>
-            </a:r>
-          </a:p>
-        </p:txBody>
-      </p:sp>
     </p:spTree>
     <p:extLst>
       <p:ext uri="{BB962C8B-B14F-4D97-AF65-F5344CB8AC3E}">
@@ -5112,7 +5459,7 @@
         <p:spPr>
           <a:xfrm>
             <a:off x="371232" y="600075"/>
-            <a:ext cx="1875835" cy="369332"/>
+            <a:ext cx="7678705" cy="369332"/>
           </a:xfrm>
           <a:prstGeom prst="rect">
             <a:avLst/>
@@ -5141,6 +5488,67 @@
               </a:rPr>
               <a:t>해결해봅시다</a:t>
             </a:r>
+            <a:r>
+              <a:rPr lang="en-US" altLang="ko-KR" dirty="0">
+                <a:latin typeface="Pretendard SemiBold" panose="02000703000000020004" pitchFamily="50" charset="-127"/>
+                <a:ea typeface="Pretendard SemiBold" panose="02000703000000020004" pitchFamily="50" charset="-127"/>
+                <a:cs typeface="Pretendard SemiBold" panose="02000703000000020004" pitchFamily="50" charset="-127"/>
+              </a:rPr>
+              <a:t> (Yarn </a:t>
+            </a:r>
+            <a:r>
+              <a:rPr lang="ko-KR" altLang="en-US" dirty="0">
+                <a:latin typeface="Pretendard SemiBold" panose="02000703000000020004" pitchFamily="50" charset="-127"/>
+                <a:ea typeface="Pretendard SemiBold" panose="02000703000000020004" pitchFamily="50" charset="-127"/>
+                <a:cs typeface="Pretendard SemiBold" panose="02000703000000020004" pitchFamily="50" charset="-127"/>
+              </a:rPr>
+              <a:t>명령어 사용 시 해결 필요 없지만</a:t>
+            </a:r>
+            <a:r>
+              <a:rPr lang="en-US" altLang="ko-KR" dirty="0">
+                <a:latin typeface="Pretendard SemiBold" panose="02000703000000020004" pitchFamily="50" charset="-127"/>
+                <a:ea typeface="Pretendard SemiBold" panose="02000703000000020004" pitchFamily="50" charset="-127"/>
+                <a:cs typeface="Pretendard SemiBold" panose="02000703000000020004" pitchFamily="50" charset="-127"/>
+              </a:rPr>
+              <a:t>, </a:t>
+            </a:r>
+            <a:r>
+              <a:rPr lang="ko-KR" altLang="en-US" dirty="0">
+                <a:latin typeface="Pretendard SemiBold" panose="02000703000000020004" pitchFamily="50" charset="-127"/>
+                <a:ea typeface="Pretendard SemiBold" panose="02000703000000020004" pitchFamily="50" charset="-127"/>
+                <a:cs typeface="Pretendard SemiBold" panose="02000703000000020004" pitchFamily="50" charset="-127"/>
+              </a:rPr>
+              <a:t>중요하니까</a:t>
+            </a:r>
+            <a:r>
+              <a:rPr lang="en-US" altLang="ko-KR" dirty="0">
+                <a:latin typeface="Pretendard SemiBold" panose="02000703000000020004" pitchFamily="50" charset="-127"/>
+                <a:ea typeface="Pretendard SemiBold" panose="02000703000000020004" pitchFamily="50" charset="-127"/>
+                <a:cs typeface="Pretendard SemiBold" panose="02000703000000020004" pitchFamily="50" charset="-127"/>
+              </a:rPr>
+              <a:t> </a:t>
+            </a:r>
+            <a:r>
+              <a:rPr lang="ko-KR" altLang="en-US" dirty="0">
+                <a:latin typeface="Pretendard SemiBold" panose="02000703000000020004" pitchFamily="50" charset="-127"/>
+                <a:ea typeface="Pretendard SemiBold" panose="02000703000000020004" pitchFamily="50" charset="-127"/>
+                <a:cs typeface="Pretendard SemiBold" panose="02000703000000020004" pitchFamily="50" charset="-127"/>
+              </a:rPr>
+              <a:t>읽어주세요</a:t>
+            </a:r>
+            <a:r>
+              <a:rPr lang="en-US" altLang="ko-KR" dirty="0">
+                <a:latin typeface="Pretendard SemiBold" panose="02000703000000020004" pitchFamily="50" charset="-127"/>
+                <a:ea typeface="Pretendard SemiBold" panose="02000703000000020004" pitchFamily="50" charset="-127"/>
+                <a:cs typeface="Pretendard SemiBold" panose="02000703000000020004" pitchFamily="50" charset="-127"/>
+              </a:rPr>
+              <a:t>)</a:t>
+            </a:r>
+            <a:endParaRPr lang="ko-KR" altLang="en-US" dirty="0">
+              <a:latin typeface="Pretendard SemiBold" panose="02000703000000020004" pitchFamily="50" charset="-127"/>
+              <a:ea typeface="Pretendard SemiBold" panose="02000703000000020004" pitchFamily="50" charset="-127"/>
+              <a:cs typeface="Pretendard SemiBold" panose="02000703000000020004" pitchFamily="50" charset="-127"/>
+            </a:endParaRPr>
           </a:p>
         </p:txBody>
       </p:sp>
@@ -5625,6 +6033,58 @@
           </a:p>
         </p:txBody>
       </p:sp>
+      <p:sp>
+        <p:nvSpPr>
+          <p:cNvPr id="8" name="직사각형 7">
+            <a:extLst>
+              <a:ext uri="{FF2B5EF4-FFF2-40B4-BE49-F238E27FC236}">
+                <a16:creationId xmlns:a16="http://schemas.microsoft.com/office/drawing/2014/main" id="{3FDEA714-7B04-5E87-4B4A-58DBA19FCBA6}"/>
+              </a:ext>
+            </a:extLst>
+          </p:cNvPr>
+          <p:cNvSpPr/>
+          <p:nvPr/>
+        </p:nvSpPr>
+        <p:spPr>
+          <a:xfrm>
+            <a:off x="1123950" y="2990850"/>
+            <a:ext cx="1457325" cy="238125"/>
+          </a:xfrm>
+          <a:prstGeom prst="rect">
+            <a:avLst/>
+          </a:prstGeom>
+          <a:noFill/>
+          <a:ln>
+            <a:solidFill>
+              <a:srgbClr val="FF0000"/>
+            </a:solidFill>
+          </a:ln>
+        </p:spPr>
+        <p:style>
+          <a:lnRef idx="2">
+            <a:schemeClr val="accent1">
+              <a:shade val="15000"/>
+            </a:schemeClr>
+          </a:lnRef>
+          <a:fillRef idx="1">
+            <a:schemeClr val="accent1"/>
+          </a:fillRef>
+          <a:effectRef idx="0">
+            <a:schemeClr val="accent1"/>
+          </a:effectRef>
+          <a:fontRef idx="minor">
+            <a:schemeClr val="lt1"/>
+          </a:fontRef>
+        </p:style>
+        <p:txBody>
+          <a:bodyPr rtlCol="0" anchor="ctr"/>
+          <a:lstStyle/>
+          <a:p>
+            <a:pPr algn="ctr"/>
+            <a:endParaRPr lang="ko-KR" altLang="en-US"/>
+          </a:p>
+        </p:txBody>
+      </p:sp>
     </p:spTree>
     <p:extLst>
       <p:ext uri="{BB962C8B-B14F-4D97-AF65-F5344CB8AC3E}">
@@ -5676,7 +6136,7 @@
         <p:spPr>
           <a:xfrm>
             <a:off x="371232" y="600075"/>
-            <a:ext cx="1875835" cy="369332"/>
+            <a:ext cx="7678705" cy="369332"/>
           </a:xfrm>
           <a:prstGeom prst="rect">
             <a:avLst/>
@@ -5705,6 +6165,67 @@
               </a:rPr>
               <a:t>해결해봅시다</a:t>
             </a:r>
+            <a:r>
+              <a:rPr lang="en-US" altLang="ko-KR" dirty="0">
+                <a:latin typeface="Pretendard SemiBold" panose="02000703000000020004" pitchFamily="50" charset="-127"/>
+                <a:ea typeface="Pretendard SemiBold" panose="02000703000000020004" pitchFamily="50" charset="-127"/>
+                <a:cs typeface="Pretendard SemiBold" panose="02000703000000020004" pitchFamily="50" charset="-127"/>
+              </a:rPr>
+              <a:t> (Yarn </a:t>
+            </a:r>
+            <a:r>
+              <a:rPr lang="ko-KR" altLang="en-US" dirty="0">
+                <a:latin typeface="Pretendard SemiBold" panose="02000703000000020004" pitchFamily="50" charset="-127"/>
+                <a:ea typeface="Pretendard SemiBold" panose="02000703000000020004" pitchFamily="50" charset="-127"/>
+                <a:cs typeface="Pretendard SemiBold" panose="02000703000000020004" pitchFamily="50" charset="-127"/>
+              </a:rPr>
+              <a:t>명령어 사용 시 해결 필요 없지만</a:t>
+            </a:r>
+            <a:r>
+              <a:rPr lang="en-US" altLang="ko-KR" dirty="0">
+                <a:latin typeface="Pretendard SemiBold" panose="02000703000000020004" pitchFamily="50" charset="-127"/>
+                <a:ea typeface="Pretendard SemiBold" panose="02000703000000020004" pitchFamily="50" charset="-127"/>
+                <a:cs typeface="Pretendard SemiBold" panose="02000703000000020004" pitchFamily="50" charset="-127"/>
+              </a:rPr>
+              <a:t>, </a:t>
+            </a:r>
+            <a:r>
+              <a:rPr lang="ko-KR" altLang="en-US" dirty="0">
+                <a:latin typeface="Pretendard SemiBold" panose="02000703000000020004" pitchFamily="50" charset="-127"/>
+                <a:ea typeface="Pretendard SemiBold" panose="02000703000000020004" pitchFamily="50" charset="-127"/>
+                <a:cs typeface="Pretendard SemiBold" panose="02000703000000020004" pitchFamily="50" charset="-127"/>
+              </a:rPr>
+              <a:t>중요하니까</a:t>
+            </a:r>
+            <a:r>
+              <a:rPr lang="en-US" altLang="ko-KR" dirty="0">
+                <a:latin typeface="Pretendard SemiBold" panose="02000703000000020004" pitchFamily="50" charset="-127"/>
+                <a:ea typeface="Pretendard SemiBold" panose="02000703000000020004" pitchFamily="50" charset="-127"/>
+                <a:cs typeface="Pretendard SemiBold" panose="02000703000000020004" pitchFamily="50" charset="-127"/>
+              </a:rPr>
+              <a:t> </a:t>
+            </a:r>
+            <a:r>
+              <a:rPr lang="ko-KR" altLang="en-US" dirty="0">
+                <a:latin typeface="Pretendard SemiBold" panose="02000703000000020004" pitchFamily="50" charset="-127"/>
+                <a:ea typeface="Pretendard SemiBold" panose="02000703000000020004" pitchFamily="50" charset="-127"/>
+                <a:cs typeface="Pretendard SemiBold" panose="02000703000000020004" pitchFamily="50" charset="-127"/>
+              </a:rPr>
+              <a:t>읽어주세요</a:t>
+            </a:r>
+            <a:r>
+              <a:rPr lang="en-US" altLang="ko-KR" dirty="0">
+                <a:latin typeface="Pretendard SemiBold" panose="02000703000000020004" pitchFamily="50" charset="-127"/>
+                <a:ea typeface="Pretendard SemiBold" panose="02000703000000020004" pitchFamily="50" charset="-127"/>
+                <a:cs typeface="Pretendard SemiBold" panose="02000703000000020004" pitchFamily="50" charset="-127"/>
+              </a:rPr>
+              <a:t>)</a:t>
+            </a:r>
+            <a:endParaRPr lang="ko-KR" altLang="en-US" dirty="0">
+              <a:latin typeface="Pretendard SemiBold" panose="02000703000000020004" pitchFamily="50" charset="-127"/>
+              <a:ea typeface="Pretendard SemiBold" panose="02000703000000020004" pitchFamily="50" charset="-127"/>
+              <a:cs typeface="Pretendard SemiBold" panose="02000703000000020004" pitchFamily="50" charset="-127"/>
+            </a:endParaRPr>
           </a:p>
         </p:txBody>
       </p:sp>
@@ -5775,7 +6296,7 @@
         <p:spPr>
           <a:xfrm>
             <a:off x="371232" y="1646516"/>
-            <a:ext cx="5327099" cy="954107"/>
+            <a:ext cx="7407797" cy="1347741"/>
           </a:xfrm>
           <a:prstGeom prst="rect">
             <a:avLst/>
@@ -5788,6 +6309,11 @@
           </a:bodyPr>
           <a:lstStyle/>
           <a:p>
+            <a:pPr>
+              <a:lnSpc>
+                <a:spcPct val="150000"/>
+              </a:lnSpc>
+            </a:pPr>
             <a:r>
               <a:rPr lang="en-US" altLang="ko-KR" sz="1400" dirty="0">
                 <a:latin typeface="Pretendard SemiBold" panose="02000703000000020004" pitchFamily="50" charset="-127"/>
@@ -5811,6 +6337,11 @@
             </a:endParaRPr>
           </a:p>
           <a:p>
+            <a:pPr>
+              <a:lnSpc>
+                <a:spcPct val="150000"/>
+              </a:lnSpc>
+            </a:pPr>
             <a:endParaRPr lang="en-US" altLang="ko-KR" sz="1400" dirty="0">
               <a:latin typeface="Pretendard SemiBold" panose="02000703000000020004" pitchFamily="50" charset="-127"/>
               <a:ea typeface="Pretendard SemiBold" panose="02000703000000020004" pitchFamily="50" charset="-127"/>
@@ -5818,6 +6349,19 @@
             </a:endParaRPr>
           </a:p>
           <a:p>
+            <a:pPr>
+              <a:lnSpc>
+                <a:spcPct val="150000"/>
+              </a:lnSpc>
+            </a:pPr>
+            <a:r>
+              <a:rPr lang="ko-KR" altLang="en-US" sz="1400" dirty="0">
+                <a:latin typeface="Pretendard SemiBold" panose="02000703000000020004" pitchFamily="50" charset="-127"/>
+                <a:ea typeface="Pretendard SemiBold" panose="02000703000000020004" pitchFamily="50" charset="-127"/>
+                <a:cs typeface="Pretendard SemiBold" panose="02000703000000020004" pitchFamily="50" charset="-127"/>
+              </a:rPr>
+              <a:t>터미널에서 </a:t>
+            </a:r>
             <a:r>
               <a:rPr lang="en-US" altLang="ko-KR" sz="1400" dirty="0" err="1">
                 <a:highlight>
@@ -5841,11 +6385,38 @@
               <a:t> install</a:t>
             </a:r>
             <a:r>
+              <a:rPr lang="en-US" altLang="ko-KR" sz="1400" dirty="0">
+                <a:latin typeface="Pretendard SemiBold" panose="02000703000000020004" pitchFamily="50" charset="-127"/>
+                <a:ea typeface="Pretendard SemiBold" panose="02000703000000020004" pitchFamily="50" charset="-127"/>
+                <a:cs typeface="Pretendard SemiBold" panose="02000703000000020004" pitchFamily="50" charset="-127"/>
+              </a:rPr>
+              <a:t> </a:t>
+            </a:r>
+            <a:r>
               <a:rPr lang="ko-KR" altLang="en-US" sz="1400" dirty="0">
                 <a:latin typeface="Pretendard SemiBold" panose="02000703000000020004" pitchFamily="50" charset="-127"/>
                 <a:ea typeface="Pretendard SemiBold" panose="02000703000000020004" pitchFamily="50" charset="-127"/>
                 <a:cs typeface="Pretendard SemiBold" panose="02000703000000020004" pitchFamily="50" charset="-127"/>
               </a:rPr>
+              <a:t>또는 </a:t>
+            </a:r>
+            <a:r>
+              <a:rPr lang="en-US" altLang="ko-KR" sz="1400" dirty="0">
+                <a:highlight>
+                  <a:srgbClr val="FFFF00"/>
+                </a:highlight>
+                <a:latin typeface="Pretendard SemiBold" panose="02000703000000020004" pitchFamily="50" charset="-127"/>
+                <a:ea typeface="Pretendard SemiBold" panose="02000703000000020004" pitchFamily="50" charset="-127"/>
+                <a:cs typeface="Pretendard SemiBold" panose="02000703000000020004" pitchFamily="50" charset="-127"/>
+              </a:rPr>
+              <a:t>yarn install</a:t>
+            </a:r>
+            <a:r>
+              <a:rPr lang="ko-KR" altLang="en-US" sz="1400" dirty="0">
+                <a:latin typeface="Pretendard SemiBold" panose="02000703000000020004" pitchFamily="50" charset="-127"/>
+                <a:ea typeface="Pretendard SemiBold" panose="02000703000000020004" pitchFamily="50" charset="-127"/>
+                <a:cs typeface="Pretendard SemiBold" panose="02000703000000020004" pitchFamily="50" charset="-127"/>
+              </a:rPr>
               <a:t>이라는 명령어를 통해 필요한 모듈을 다운로드 받아야 합니다</a:t>
             </a:r>
             <a:r>
@@ -5858,6 +6429,11 @@
             </a:r>
           </a:p>
           <a:p>
+            <a:pPr>
+              <a:lnSpc>
+                <a:spcPct val="150000"/>
+              </a:lnSpc>
+            </a:pPr>
             <a:r>
               <a:rPr lang="en-US" altLang="ko-KR" sz="1400" dirty="0" err="1">
                 <a:highlight>
@@ -5879,6 +6455,33 @@
                 <a:cs typeface="Pretendard SemiBold" panose="02000703000000020004" pitchFamily="50" charset="-127"/>
               </a:rPr>
               <a:t> install web-vitals</a:t>
+            </a:r>
+            <a:r>
+              <a:rPr lang="en-US" altLang="ko-KR" sz="1400" dirty="0">
+                <a:latin typeface="Pretendard SemiBold" panose="02000703000000020004" pitchFamily="50" charset="-127"/>
+                <a:ea typeface="Pretendard SemiBold" panose="02000703000000020004" pitchFamily="50" charset="-127"/>
+                <a:cs typeface="Pretendard SemiBold" panose="02000703000000020004" pitchFamily="50" charset="-127"/>
+              </a:rPr>
+              <a:t> </a:t>
+            </a:r>
+            <a:r>
+              <a:rPr lang="ko-KR" altLang="en-US" sz="1400" dirty="0">
+                <a:latin typeface="Pretendard SemiBold" panose="02000703000000020004" pitchFamily="50" charset="-127"/>
+                <a:ea typeface="Pretendard SemiBold" panose="02000703000000020004" pitchFamily="50" charset="-127"/>
+                <a:cs typeface="Pretendard SemiBold" panose="02000703000000020004" pitchFamily="50" charset="-127"/>
+              </a:rPr>
+              <a:t>또는 </a:t>
+            </a:r>
+            <a:r>
+              <a:rPr lang="en-US" altLang="ko-KR" sz="1400" dirty="0">
+                <a:highlight>
+                  <a:srgbClr val="FFFF00"/>
+                </a:highlight>
+                <a:latin typeface="Pretendard SemiBold" panose="02000703000000020004" pitchFamily="50" charset="-127"/>
+                <a:ea typeface="Pretendard SemiBold" panose="02000703000000020004" pitchFamily="50" charset="-127"/>
+                <a:cs typeface="Pretendard SemiBold" panose="02000703000000020004" pitchFamily="50" charset="-127"/>
+              </a:rPr>
+              <a:t>yarn install web-vitals</a:t>
             </a:r>
             <a:r>
               <a:rPr lang="en-US" altLang="ko-KR" sz="1400" dirty="0">
@@ -5934,7 +6537,7 @@
         </p:blipFill>
         <p:spPr bwMode="auto">
           <a:xfrm>
-            <a:off x="795216" y="3026225"/>
+            <a:off x="795216" y="3317445"/>
             <a:ext cx="10601568" cy="2185259"/>
           </a:xfrm>
           <a:prstGeom prst="rect">
@@ -5966,7 +6569,7 @@
         </p:nvSpPr>
         <p:spPr>
           <a:xfrm>
-            <a:off x="4286250" y="4410075"/>
+            <a:off x="4286250" y="4695825"/>
             <a:ext cx="1000125" cy="238125"/>
           </a:xfrm>
           <a:prstGeom prst="rect">
@@ -6147,7 +6750,7 @@
         <p:spPr>
           <a:xfrm>
             <a:off x="371232" y="969407"/>
-            <a:ext cx="5638082" cy="307777"/>
+            <a:ext cx="5641288" cy="307777"/>
           </a:xfrm>
           <a:prstGeom prst="rect">
             <a:avLst/>
@@ -6161,7 +6764,7 @@
           <a:lstStyle/>
           <a:p>
             <a:r>
-              <a:rPr lang="en-US" altLang="ko-KR" sz="1400" dirty="0" err="1">
+              <a:rPr lang="en-US" altLang="ko-KR" sz="1400" dirty="0">
                 <a:highlight>
                   <a:srgbClr val="FFFF00"/>
                 </a:highlight>
@@ -6169,18 +6772,7 @@
                 <a:ea typeface="Pretendard SemiBold" panose="02000703000000020004" pitchFamily="50" charset="-127"/>
                 <a:cs typeface="Pretendard SemiBold" panose="02000703000000020004" pitchFamily="50" charset="-127"/>
               </a:rPr>
-              <a:t>npm</a:t>
-            </a:r>
-            <a:r>
-              <a:rPr lang="en-US" altLang="ko-KR" sz="1400" dirty="0">
-                <a:highlight>
-                  <a:srgbClr val="FFFF00"/>
-                </a:highlight>
-                <a:latin typeface="Pretendard SemiBold" panose="02000703000000020004" pitchFamily="50" charset="-127"/>
-                <a:ea typeface="Pretendard SemiBold" panose="02000703000000020004" pitchFamily="50" charset="-127"/>
-                <a:cs typeface="Pretendard SemiBold" panose="02000703000000020004" pitchFamily="50" charset="-127"/>
-              </a:rPr>
-              <a:t> install [</a:t>
+              <a:t>yarn install [</a:t>
             </a:r>
             <a:r>
               <a:rPr lang="ko-KR" altLang="en-US" sz="1400" dirty="0">
@@ -6292,7 +6884,7 @@
               <a:t>만약 안된다면 </a:t>
             </a:r>
             <a:r>
-              <a:rPr lang="en-US" altLang="ko-KR" sz="1400" dirty="0" err="1">
+              <a:rPr lang="en-US" altLang="ko-KR" sz="1400" dirty="0">
                 <a:highlight>
                   <a:srgbClr val="FFFF00"/>
                 </a:highlight>
@@ -6300,18 +6892,7 @@
                 <a:ea typeface="Pretendard SemiBold" panose="02000703000000020004" pitchFamily="50" charset="-127"/>
                 <a:cs typeface="Pretendard SemiBold" panose="02000703000000020004" pitchFamily="50" charset="-127"/>
               </a:rPr>
-              <a:t>npm</a:t>
-            </a:r>
-            <a:r>
-              <a:rPr lang="en-US" altLang="ko-KR" sz="1400" dirty="0">
-                <a:highlight>
-                  <a:srgbClr val="FFFF00"/>
-                </a:highlight>
-                <a:latin typeface="Pretendard SemiBold" panose="02000703000000020004" pitchFamily="50" charset="-127"/>
-                <a:ea typeface="Pretendard SemiBold" panose="02000703000000020004" pitchFamily="50" charset="-127"/>
-                <a:cs typeface="Pretendard SemiBold" panose="02000703000000020004" pitchFamily="50" charset="-127"/>
-              </a:rPr>
-              <a:t> install </a:t>
+              <a:t>yarn install </a:t>
             </a:r>
             <a:r>
               <a:rPr lang="en-US" altLang="ko-KR" sz="1400" dirty="0">
@@ -6429,7 +7010,7 @@
               <a:t>) </a:t>
             </a:r>
             <a:r>
-              <a:rPr lang="en-US" altLang="ko-KR" sz="1400" dirty="0" err="1">
+              <a:rPr lang="en-US" altLang="ko-KR" sz="1400" dirty="0">
                 <a:highlight>
                   <a:srgbClr val="FFFF00"/>
                 </a:highlight>
@@ -6437,18 +7018,7 @@
                 <a:ea typeface="Pretendard SemiBold" panose="02000703000000020004" pitchFamily="50" charset="-127"/>
                 <a:cs typeface="Pretendard SemiBold" panose="02000703000000020004" pitchFamily="50" charset="-127"/>
               </a:rPr>
-              <a:t>npm</a:t>
-            </a:r>
-            <a:r>
-              <a:rPr lang="en-US" altLang="ko-KR" sz="1400" dirty="0">
-                <a:highlight>
-                  <a:srgbClr val="FFFF00"/>
-                </a:highlight>
-                <a:latin typeface="Pretendard SemiBold" panose="02000703000000020004" pitchFamily="50" charset="-127"/>
-                <a:ea typeface="Pretendard SemiBold" panose="02000703000000020004" pitchFamily="50" charset="-127"/>
-                <a:cs typeface="Pretendard SemiBold" panose="02000703000000020004" pitchFamily="50" charset="-127"/>
-              </a:rPr>
-              <a:t> install</a:t>
+              <a:t>yarn install</a:t>
             </a:r>
             <a:r>
               <a:rPr lang="ko-KR" altLang="en-US" sz="1400" dirty="0">
@@ -6576,10 +7146,10 @@
         </p:nvGrpSpPr>
         <p:grpSpPr>
           <a:xfrm>
-            <a:off x="5238749" y="4404837"/>
-            <a:ext cx="1714502" cy="738664"/>
-            <a:chOff x="5238749" y="4437816"/>
-            <a:chExt cx="1714502" cy="738664"/>
+            <a:off x="4010025" y="4404837"/>
+            <a:ext cx="4171950" cy="738664"/>
+            <a:chOff x="4010025" y="4437816"/>
+            <a:chExt cx="4171950" cy="738664"/>
           </a:xfrm>
         </p:grpSpPr>
         <p:sp>
@@ -6596,8 +7166,8 @@
           </p:nvSpPr>
           <p:spPr>
             <a:xfrm>
-              <a:off x="5238749" y="4437816"/>
-              <a:ext cx="1714502" cy="738664"/>
+              <a:off x="4010025" y="4437816"/>
+              <a:ext cx="4171950" cy="738664"/>
             </a:xfrm>
             <a:prstGeom prst="rect">
               <a:avLst/>
@@ -6612,12 +7182,20 @@
             <a:p>
               <a:pPr algn="ctr"/>
               <a:r>
-                <a:rPr lang="en-US" altLang="ko-KR" sz="1400" dirty="0" err="1">
+                <a:rPr lang="en-US" altLang="ko-KR" sz="1400" dirty="0">
                   <a:latin typeface="Pretendard SemiBold" panose="02000703000000020004" pitchFamily="50" charset="-127"/>
                   <a:ea typeface="Pretendard SemiBold" panose="02000703000000020004" pitchFamily="50" charset="-127"/>
                   <a:cs typeface="Pretendard SemiBold" panose="02000703000000020004" pitchFamily="50" charset="-127"/>
                 </a:rPr>
-                <a:t>npm</a:t>
+                <a:t>yarn install (</a:t>
+              </a:r>
+              <a:r>
+                <a:rPr lang="ko-KR" altLang="en-US" sz="1400" dirty="0">
+                  <a:latin typeface="Pretendard SemiBold" panose="02000703000000020004" pitchFamily="50" charset="-127"/>
+                  <a:ea typeface="Pretendard SemiBold" panose="02000703000000020004" pitchFamily="50" charset="-127"/>
+                  <a:cs typeface="Pretendard SemiBold" panose="02000703000000020004" pitchFamily="50" charset="-127"/>
+                </a:rPr>
+                <a:t>일단 필요한 패키지 전부 다운 받고</a:t>
               </a:r>
               <a:r>
                 <a:rPr lang="en-US" altLang="ko-KR" sz="1400" dirty="0">
@@ -6625,7 +7203,7 @@
                   <a:ea typeface="Pretendard SemiBold" panose="02000703000000020004" pitchFamily="50" charset="-127"/>
                   <a:cs typeface="Pretendard SemiBold" panose="02000703000000020004" pitchFamily="50" charset="-127"/>
                 </a:rPr>
-                <a:t> install</a:t>
+                <a:t>)</a:t>
               </a:r>
             </a:p>
             <a:p>
@@ -6638,22 +7216,35 @@
             </a:p>
             <a:p>
               <a:pPr algn="ctr"/>
-              <a:r>
-                <a:rPr lang="en-US" altLang="ko-KR" sz="1400" dirty="0" err="1">
-                  <a:latin typeface="Pretendard SemiBold" panose="02000703000000020004" pitchFamily="50" charset="-127"/>
-                  <a:ea typeface="Pretendard SemiBold" panose="02000703000000020004" pitchFamily="50" charset="-127"/>
-                  <a:cs typeface="Pretendard SemiBold" panose="02000703000000020004" pitchFamily="50" charset="-127"/>
-                </a:rPr>
-                <a:t>npm</a:t>
-              </a:r>
               <a:r>
                 <a:rPr lang="en-US" altLang="ko-KR" sz="1400" dirty="0">
                   <a:latin typeface="Pretendard SemiBold" panose="02000703000000020004" pitchFamily="50" charset="-127"/>
                   <a:ea typeface="Pretendard SemiBold" panose="02000703000000020004" pitchFamily="50" charset="-127"/>
                   <a:cs typeface="Pretendard SemiBold" panose="02000703000000020004" pitchFamily="50" charset="-127"/>
                 </a:rPr>
-                <a:t> start</a:t>
+                <a:t>yarn start (</a:t>
               </a:r>
+              <a:r>
+                <a:rPr lang="ko-KR" altLang="en-US" sz="1400" dirty="0">
+                  <a:latin typeface="Pretendard SemiBold" panose="02000703000000020004" pitchFamily="50" charset="-127"/>
+                  <a:ea typeface="Pretendard SemiBold" panose="02000703000000020004" pitchFamily="50" charset="-127"/>
+                  <a:cs typeface="Pretendard SemiBold" panose="02000703000000020004" pitchFamily="50" charset="-127"/>
+                </a:rPr>
+                <a:t>실행</a:t>
+              </a:r>
+              <a:r>
+                <a:rPr lang="en-US" altLang="ko-KR" sz="1400">
+                  <a:latin typeface="Pretendard SemiBold" panose="02000703000000020004" pitchFamily="50" charset="-127"/>
+                  <a:ea typeface="Pretendard SemiBold" panose="02000703000000020004" pitchFamily="50" charset="-127"/>
+                  <a:cs typeface="Pretendard SemiBold" panose="02000703000000020004" pitchFamily="50" charset="-127"/>
+                </a:rPr>
+                <a:t>)</a:t>
+              </a:r>
+              <a:endParaRPr lang="en-US" altLang="ko-KR" sz="1400" dirty="0">
+                <a:latin typeface="Pretendard SemiBold" panose="02000703000000020004" pitchFamily="50" charset="-127"/>
+                <a:ea typeface="Pretendard SemiBold" panose="02000703000000020004" pitchFamily="50" charset="-127"/>
+                <a:cs typeface="Pretendard SemiBold" panose="02000703000000020004" pitchFamily="50" charset="-127"/>
+              </a:endParaRPr>
             </a:p>
           </p:txBody>
         </p:sp>
@@ -6794,8 +7385,8 @@
         </p:nvSpPr>
         <p:spPr>
           <a:xfrm>
-            <a:off x="2302195" y="3074432"/>
-            <a:ext cx="3302507" cy="916854"/>
+            <a:off x="4217943" y="3392962"/>
+            <a:ext cx="3850734" cy="1024576"/>
           </a:xfrm>
           <a:prstGeom prst="rect">
             <a:avLst/>
@@ -6808,61 +7399,34 @@
           </a:bodyPr>
           <a:lstStyle/>
           <a:p>
-            <a:pPr algn="ctr"/>
-            <a:r>
-              <a:rPr lang="en-US" altLang="ko-KR" sz="1400" dirty="0" err="1">
-                <a:latin typeface="Pretendard SemiBold" panose="02000703000000020004" pitchFamily="50" charset="-127"/>
-                <a:ea typeface="Pretendard SemiBold" panose="02000703000000020004" pitchFamily="50" charset="-127"/>
-                <a:cs typeface="Pretendard SemiBold" panose="02000703000000020004" pitchFamily="50" charset="-127"/>
-              </a:rPr>
-              <a:t>npx</a:t>
-            </a:r>
-            <a:r>
-              <a:rPr lang="en-US" altLang="ko-KR" sz="1400" dirty="0">
-                <a:latin typeface="Pretendard SemiBold" panose="02000703000000020004" pitchFamily="50" charset="-127"/>
-                <a:ea typeface="Pretendard SemiBold" panose="02000703000000020004" pitchFamily="50" charset="-127"/>
-                <a:cs typeface="Pretendard SemiBold" panose="02000703000000020004" pitchFamily="50" charset="-127"/>
-              </a:rPr>
-              <a:t> create-react-app [</a:t>
-            </a:r>
-            <a:r>
-              <a:rPr lang="ko-KR" altLang="en-US" sz="1400" dirty="0">
-                <a:latin typeface="Pretendard SemiBold" panose="02000703000000020004" pitchFamily="50" charset="-127"/>
-                <a:ea typeface="Pretendard SemiBold" panose="02000703000000020004" pitchFamily="50" charset="-127"/>
-                <a:cs typeface="Pretendard SemiBold" panose="02000703000000020004" pitchFamily="50" charset="-127"/>
-              </a:rPr>
-              <a:t>프로젝트 이름</a:t>
-            </a:r>
-            <a:r>
-              <a:rPr lang="en-US" altLang="ko-KR" sz="1400" dirty="0">
-                <a:latin typeface="Pretendard SemiBold" panose="02000703000000020004" pitchFamily="50" charset="-127"/>
-                <a:ea typeface="Pretendard SemiBold" panose="02000703000000020004" pitchFamily="50" charset="-127"/>
-                <a:cs typeface="Pretendard SemiBold" panose="02000703000000020004" pitchFamily="50" charset="-127"/>
-              </a:rPr>
-              <a:t>]</a:t>
-            </a:r>
-          </a:p>
-          <a:p>
             <a:pPr algn="ctr">
               <a:lnSpc>
                 <a:spcPct val="150000"/>
               </a:lnSpc>
             </a:pPr>
             <a:r>
-              <a:rPr lang="en-US" altLang="ko-KR" sz="1400" dirty="0" err="1">
-                <a:latin typeface="Pretendard SemiBold" panose="02000703000000020004" pitchFamily="50" charset="-127"/>
-                <a:ea typeface="Pretendard SemiBold" panose="02000703000000020004" pitchFamily="50" charset="-127"/>
-                <a:cs typeface="Pretendard SemiBold" panose="02000703000000020004" pitchFamily="50" charset="-127"/>
-              </a:rPr>
-              <a:t>npm</a:t>
-            </a:r>
-            <a:r>
-              <a:rPr lang="en-US" altLang="ko-KR" sz="1400" dirty="0">
-                <a:latin typeface="Pretendard SemiBold" panose="02000703000000020004" pitchFamily="50" charset="-127"/>
-                <a:ea typeface="Pretendard SemiBold" panose="02000703000000020004" pitchFamily="50" charset="-127"/>
-                <a:cs typeface="Pretendard SemiBold" panose="02000703000000020004" pitchFamily="50" charset="-127"/>
-              </a:rPr>
-              <a:t> start</a:t>
+              <a:rPr lang="en-US" altLang="ko-KR" sz="1400" dirty="0">
+                <a:latin typeface="Pretendard SemiBold" panose="02000703000000020004" pitchFamily="50" charset="-127"/>
+                <a:ea typeface="Pretendard SemiBold" panose="02000703000000020004" pitchFamily="50" charset="-127"/>
+                <a:cs typeface="Pretendard SemiBold" panose="02000703000000020004" pitchFamily="50" charset="-127"/>
+              </a:rPr>
+              <a:t>yarn create react-app my-app [</a:t>
+            </a:r>
+            <a:r>
+              <a:rPr lang="ko-KR" altLang="en-US" sz="1400" dirty="0">
+                <a:latin typeface="Pretendard SemiBold" panose="02000703000000020004" pitchFamily="50" charset="-127"/>
+                <a:ea typeface="Pretendard SemiBold" panose="02000703000000020004" pitchFamily="50" charset="-127"/>
+                <a:cs typeface="Pretendard SemiBold" panose="02000703000000020004" pitchFamily="50" charset="-127"/>
+              </a:rPr>
+              <a:t>프로젝트 이름</a:t>
+            </a:r>
+            <a:r>
+              <a:rPr lang="en-US" altLang="ko-KR" sz="1400" dirty="0">
+                <a:latin typeface="Pretendard SemiBold" panose="02000703000000020004" pitchFamily="50" charset="-127"/>
+                <a:ea typeface="Pretendard SemiBold" panose="02000703000000020004" pitchFamily="50" charset="-127"/>
+                <a:cs typeface="Pretendard SemiBold" panose="02000703000000020004" pitchFamily="50" charset="-127"/>
+              </a:rPr>
+              <a:t>]</a:t>
             </a:r>
           </a:p>
           <a:p>
@@ -6872,20 +7436,27 @@
               </a:lnSpc>
             </a:pPr>
             <a:r>
-              <a:rPr lang="en-US" altLang="ko-KR" sz="1400" dirty="0" err="1">
-                <a:latin typeface="Pretendard SemiBold" panose="02000703000000020004" pitchFamily="50" charset="-127"/>
-                <a:ea typeface="Pretendard SemiBold" panose="02000703000000020004" pitchFamily="50" charset="-127"/>
-                <a:cs typeface="Pretendard SemiBold" panose="02000703000000020004" pitchFamily="50" charset="-127"/>
-              </a:rPr>
-              <a:t>npm</a:t>
-            </a:r>
-            <a:r>
-              <a:rPr lang="en-US" altLang="ko-KR" sz="1400" dirty="0">
-                <a:latin typeface="Pretendard SemiBold" panose="02000703000000020004" pitchFamily="50" charset="-127"/>
-                <a:ea typeface="Pretendard SemiBold" panose="02000703000000020004" pitchFamily="50" charset="-127"/>
-                <a:cs typeface="Pretendard SemiBold" panose="02000703000000020004" pitchFamily="50" charset="-127"/>
-              </a:rPr>
-              <a:t> install [</a:t>
+              <a:rPr lang="en-US" altLang="ko-KR" sz="1400" dirty="0">
+                <a:latin typeface="Pretendard SemiBold" panose="02000703000000020004" pitchFamily="50" charset="-127"/>
+                <a:ea typeface="Pretendard SemiBold" panose="02000703000000020004" pitchFamily="50" charset="-127"/>
+                <a:cs typeface="Pretendard SemiBold" panose="02000703000000020004" pitchFamily="50" charset="-127"/>
+              </a:rPr>
+              <a:t>yarn start</a:t>
+            </a:r>
+          </a:p>
+          <a:p>
+            <a:pPr algn="ctr">
+              <a:lnSpc>
+                <a:spcPct val="150000"/>
+              </a:lnSpc>
+            </a:pPr>
+            <a:r>
+              <a:rPr lang="en-US" altLang="ko-KR" sz="1400" dirty="0">
+                <a:latin typeface="Pretendard SemiBold" panose="02000703000000020004" pitchFamily="50" charset="-127"/>
+                <a:ea typeface="Pretendard SemiBold" panose="02000703000000020004" pitchFamily="50" charset="-127"/>
+                <a:cs typeface="Pretendard SemiBold" panose="02000703000000020004" pitchFamily="50" charset="-127"/>
+              </a:rPr>
+              <a:t>yarn install [</a:t>
             </a:r>
             <a:r>
               <a:rPr lang="ko-KR" altLang="en-US" sz="1400" dirty="0">
@@ -6952,7 +7523,7 @@
         </p:nvSpPr>
         <p:spPr>
           <a:xfrm>
-            <a:off x="6587299" y="3074432"/>
+            <a:off x="8435149" y="3392962"/>
             <a:ext cx="2763898" cy="1024576"/>
           </a:xfrm>
           <a:prstGeom prst="rect">
@@ -7124,7 +7695,7 @@
         </p:nvSpPr>
         <p:spPr>
           <a:xfrm>
-            <a:off x="3627878" y="2541032"/>
+            <a:off x="4208903" y="2541032"/>
             <a:ext cx="651140" cy="307777"/>
           </a:xfrm>
           <a:prstGeom prst="rect">
@@ -7140,7 +7711,7 @@
           <a:p>
             <a:pPr algn="ctr"/>
             <a:r>
-              <a:rPr lang="ko-KR" altLang="en-US" sz="1400">
+              <a:rPr lang="ko-KR" altLang="en-US" sz="1400" dirty="0">
                 <a:latin typeface="Pretendard SemiBold" panose="02000703000000020004" pitchFamily="50" charset="-127"/>
                 <a:ea typeface="Pretendard SemiBold" panose="02000703000000020004" pitchFamily="50" charset="-127"/>
                 <a:cs typeface="Pretendard SemiBold" panose="02000703000000020004" pitchFamily="50" charset="-127"/>
@@ -7169,7 +7740,7 @@
         </p:nvSpPr>
         <p:spPr>
           <a:xfrm>
-            <a:off x="7721423" y="2541032"/>
+            <a:off x="9569273" y="2541032"/>
             <a:ext cx="495650" cy="307777"/>
           </a:xfrm>
           <a:prstGeom prst="rect">
@@ -7209,13 +7780,15 @@
               </a:ext>
             </a:extLst>
           </p:cNvPr>
-          <p:cNvCxnSpPr/>
+          <p:cNvCxnSpPr>
+            <a:cxnSpLocks/>
+          </p:cNvCxnSpPr>
           <p:nvPr/>
         </p:nvCxnSpPr>
         <p:spPr>
           <a:xfrm>
-            <a:off x="2302195" y="2952750"/>
-            <a:ext cx="7175180" cy="0"/>
+            <a:off x="854024" y="2952750"/>
+            <a:ext cx="10471201" cy="0"/>
           </a:xfrm>
           <a:prstGeom prst="line">
             <a:avLst/>
@@ -7244,6 +7817,345 @@
           </a:fontRef>
         </p:style>
       </p:cxnSp>
+      <p:sp>
+        <p:nvSpPr>
+          <p:cNvPr id="4" name="TextBox 3">
+            <a:extLst>
+              <a:ext uri="{FF2B5EF4-FFF2-40B4-BE49-F238E27FC236}">
+                <a16:creationId xmlns:a16="http://schemas.microsoft.com/office/drawing/2014/main" id="{B39E26D3-346D-771C-1716-827444ED8A34}"/>
+              </a:ext>
+            </a:extLst>
+          </p:cNvPr>
+          <p:cNvSpPr txBox="1"/>
+          <p:nvPr/>
+        </p:nvSpPr>
+        <p:spPr>
+          <a:xfrm>
+            <a:off x="854024" y="3392962"/>
+            <a:ext cx="3302507" cy="1024576"/>
+          </a:xfrm>
+          <a:prstGeom prst="rect">
+            <a:avLst/>
+          </a:prstGeom>
+          <a:noFill/>
+        </p:spPr>
+        <p:txBody>
+          <a:bodyPr wrap="none" rtlCol="0">
+            <a:spAutoFit/>
+          </a:bodyPr>
+          <a:lstStyle/>
+          <a:p>
+            <a:pPr algn="ctr">
+              <a:lnSpc>
+                <a:spcPct val="150000"/>
+              </a:lnSpc>
+            </a:pPr>
+            <a:r>
+              <a:rPr lang="en-US" altLang="ko-KR" sz="1400" dirty="0" err="1">
+                <a:latin typeface="Pretendard SemiBold" panose="02000703000000020004" pitchFamily="50" charset="-127"/>
+                <a:ea typeface="Pretendard SemiBold" panose="02000703000000020004" pitchFamily="50" charset="-127"/>
+                <a:cs typeface="Pretendard SemiBold" panose="02000703000000020004" pitchFamily="50" charset="-127"/>
+              </a:rPr>
+              <a:t>npx</a:t>
+            </a:r>
+            <a:r>
+              <a:rPr lang="en-US" altLang="ko-KR" sz="1400" dirty="0">
+                <a:latin typeface="Pretendard SemiBold" panose="02000703000000020004" pitchFamily="50" charset="-127"/>
+                <a:ea typeface="Pretendard SemiBold" panose="02000703000000020004" pitchFamily="50" charset="-127"/>
+                <a:cs typeface="Pretendard SemiBold" panose="02000703000000020004" pitchFamily="50" charset="-127"/>
+              </a:rPr>
+              <a:t> create-react-app [</a:t>
+            </a:r>
+            <a:r>
+              <a:rPr lang="ko-KR" altLang="en-US" sz="1400" dirty="0">
+                <a:latin typeface="Pretendard SemiBold" panose="02000703000000020004" pitchFamily="50" charset="-127"/>
+                <a:ea typeface="Pretendard SemiBold" panose="02000703000000020004" pitchFamily="50" charset="-127"/>
+                <a:cs typeface="Pretendard SemiBold" panose="02000703000000020004" pitchFamily="50" charset="-127"/>
+              </a:rPr>
+              <a:t>프로젝트 이름</a:t>
+            </a:r>
+            <a:r>
+              <a:rPr lang="en-US" altLang="ko-KR" sz="1400" dirty="0">
+                <a:latin typeface="Pretendard SemiBold" panose="02000703000000020004" pitchFamily="50" charset="-127"/>
+                <a:ea typeface="Pretendard SemiBold" panose="02000703000000020004" pitchFamily="50" charset="-127"/>
+                <a:cs typeface="Pretendard SemiBold" panose="02000703000000020004" pitchFamily="50" charset="-127"/>
+              </a:rPr>
+              <a:t>]</a:t>
+            </a:r>
+          </a:p>
+          <a:p>
+            <a:pPr algn="ctr">
+              <a:lnSpc>
+                <a:spcPct val="150000"/>
+              </a:lnSpc>
+            </a:pPr>
+            <a:r>
+              <a:rPr lang="en-US" altLang="ko-KR" sz="1400" dirty="0" err="1">
+                <a:latin typeface="Pretendard SemiBold" panose="02000703000000020004" pitchFamily="50" charset="-127"/>
+                <a:ea typeface="Pretendard SemiBold" panose="02000703000000020004" pitchFamily="50" charset="-127"/>
+                <a:cs typeface="Pretendard SemiBold" panose="02000703000000020004" pitchFamily="50" charset="-127"/>
+              </a:rPr>
+              <a:t>npm</a:t>
+            </a:r>
+            <a:r>
+              <a:rPr lang="en-US" altLang="ko-KR" sz="1400" dirty="0">
+                <a:latin typeface="Pretendard SemiBold" panose="02000703000000020004" pitchFamily="50" charset="-127"/>
+                <a:ea typeface="Pretendard SemiBold" panose="02000703000000020004" pitchFamily="50" charset="-127"/>
+                <a:cs typeface="Pretendard SemiBold" panose="02000703000000020004" pitchFamily="50" charset="-127"/>
+              </a:rPr>
+              <a:t> start</a:t>
+            </a:r>
+          </a:p>
+          <a:p>
+            <a:pPr algn="ctr">
+              <a:lnSpc>
+                <a:spcPct val="150000"/>
+              </a:lnSpc>
+            </a:pPr>
+            <a:r>
+              <a:rPr lang="en-US" altLang="ko-KR" sz="1400" dirty="0" err="1">
+                <a:latin typeface="Pretendard SemiBold" panose="02000703000000020004" pitchFamily="50" charset="-127"/>
+                <a:ea typeface="Pretendard SemiBold" panose="02000703000000020004" pitchFamily="50" charset="-127"/>
+                <a:cs typeface="Pretendard SemiBold" panose="02000703000000020004" pitchFamily="50" charset="-127"/>
+              </a:rPr>
+              <a:t>npm</a:t>
+            </a:r>
+            <a:r>
+              <a:rPr lang="en-US" altLang="ko-KR" sz="1400" dirty="0">
+                <a:latin typeface="Pretendard SemiBold" panose="02000703000000020004" pitchFamily="50" charset="-127"/>
+                <a:ea typeface="Pretendard SemiBold" panose="02000703000000020004" pitchFamily="50" charset="-127"/>
+                <a:cs typeface="Pretendard SemiBold" panose="02000703000000020004" pitchFamily="50" charset="-127"/>
+              </a:rPr>
+              <a:t> install [</a:t>
+            </a:r>
+            <a:r>
+              <a:rPr lang="ko-KR" altLang="en-US" sz="1400" dirty="0">
+                <a:latin typeface="Pretendard SemiBold" panose="02000703000000020004" pitchFamily="50" charset="-127"/>
+                <a:ea typeface="Pretendard SemiBold" panose="02000703000000020004" pitchFamily="50" charset="-127"/>
+                <a:cs typeface="Pretendard SemiBold" panose="02000703000000020004" pitchFamily="50" charset="-127"/>
+              </a:rPr>
+              <a:t>패키지</a:t>
+            </a:r>
+            <a:r>
+              <a:rPr lang="en-US" altLang="ko-KR" sz="1400" dirty="0">
+                <a:latin typeface="Pretendard SemiBold" panose="02000703000000020004" pitchFamily="50" charset="-127"/>
+                <a:ea typeface="Pretendard SemiBold" panose="02000703000000020004" pitchFamily="50" charset="-127"/>
+                <a:cs typeface="Pretendard SemiBold" panose="02000703000000020004" pitchFamily="50" charset="-127"/>
+              </a:rPr>
+              <a:t>/</a:t>
+            </a:r>
+            <a:r>
+              <a:rPr lang="ko-KR" altLang="en-US" sz="1400" dirty="0">
+                <a:latin typeface="Pretendard SemiBold" panose="02000703000000020004" pitchFamily="50" charset="-127"/>
+                <a:ea typeface="Pretendard SemiBold" panose="02000703000000020004" pitchFamily="50" charset="-127"/>
+                <a:cs typeface="Pretendard SemiBold" panose="02000703000000020004" pitchFamily="50" charset="-127"/>
+              </a:rPr>
+              <a:t>모듈</a:t>
+            </a:r>
+            <a:r>
+              <a:rPr lang="en-US" altLang="ko-KR" sz="1400" dirty="0">
+                <a:latin typeface="Pretendard SemiBold" panose="02000703000000020004" pitchFamily="50" charset="-127"/>
+                <a:ea typeface="Pretendard SemiBold" panose="02000703000000020004" pitchFamily="50" charset="-127"/>
+                <a:cs typeface="Pretendard SemiBold" panose="02000703000000020004" pitchFamily="50" charset="-127"/>
+              </a:rPr>
+              <a:t>/</a:t>
+            </a:r>
+            <a:r>
+              <a:rPr lang="ko-KR" altLang="en-US" sz="1400" dirty="0">
+                <a:latin typeface="Pretendard SemiBold" panose="02000703000000020004" pitchFamily="50" charset="-127"/>
+                <a:ea typeface="Pretendard SemiBold" panose="02000703000000020004" pitchFamily="50" charset="-127"/>
+                <a:cs typeface="Pretendard SemiBold" panose="02000703000000020004" pitchFamily="50" charset="-127"/>
+              </a:rPr>
+              <a:t>라이브러리 이름</a:t>
+            </a:r>
+            <a:r>
+              <a:rPr lang="en-US" altLang="ko-KR" sz="1400" dirty="0">
+                <a:latin typeface="Pretendard SemiBold" panose="02000703000000020004" pitchFamily="50" charset="-127"/>
+                <a:ea typeface="Pretendard SemiBold" panose="02000703000000020004" pitchFamily="50" charset="-127"/>
+                <a:cs typeface="Pretendard SemiBold" panose="02000703000000020004" pitchFamily="50" charset="-127"/>
+              </a:rPr>
+              <a:t>]</a:t>
+            </a:r>
+          </a:p>
+        </p:txBody>
+      </p:sp>
+      <p:cxnSp>
+        <p:nvCxnSpPr>
+          <p:cNvPr id="10" name="직선 연결선 9">
+            <a:extLst>
+              <a:ext uri="{FF2B5EF4-FFF2-40B4-BE49-F238E27FC236}">
+                <a16:creationId xmlns:a16="http://schemas.microsoft.com/office/drawing/2014/main" id="{380AABE0-A3DE-A5F8-17D3-5C703996B0FA}"/>
+              </a:ext>
+            </a:extLst>
+          </p:cNvPr>
+          <p:cNvCxnSpPr>
+            <a:cxnSpLocks/>
+          </p:cNvCxnSpPr>
+          <p:nvPr/>
+        </p:nvCxnSpPr>
+        <p:spPr>
+          <a:xfrm flipV="1">
+            <a:off x="8191500" y="2541032"/>
+            <a:ext cx="0" cy="1876506"/>
+          </a:xfrm>
+          <a:prstGeom prst="line">
+            <a:avLst/>
+          </a:prstGeom>
+          <a:ln>
+            <a:solidFill>
+              <a:schemeClr val="tx1">
+                <a:lumMod val="85000"/>
+                <a:lumOff val="15000"/>
+              </a:schemeClr>
+            </a:solidFill>
+          </a:ln>
+        </p:spPr>
+        <p:style>
+          <a:lnRef idx="2">
+            <a:schemeClr val="accent1"/>
+          </a:lnRef>
+          <a:fillRef idx="0">
+            <a:schemeClr val="accent1"/>
+          </a:fillRef>
+          <a:effectRef idx="1">
+            <a:schemeClr val="accent1"/>
+          </a:effectRef>
+          <a:fontRef idx="minor">
+            <a:schemeClr val="tx1"/>
+          </a:fontRef>
+        </p:style>
+      </p:cxnSp>
+      <p:sp>
+        <p:nvSpPr>
+          <p:cNvPr id="15" name="TextBox 14">
+            <a:extLst>
+              <a:ext uri="{FF2B5EF4-FFF2-40B4-BE49-F238E27FC236}">
+                <a16:creationId xmlns:a16="http://schemas.microsoft.com/office/drawing/2014/main" id="{81A392DA-B57D-94D4-3FBA-5DF29D86EE41}"/>
+              </a:ext>
+            </a:extLst>
+          </p:cNvPr>
+          <p:cNvSpPr txBox="1"/>
+          <p:nvPr/>
+        </p:nvSpPr>
+        <p:spPr>
+          <a:xfrm>
+            <a:off x="2228406" y="3082269"/>
+            <a:ext cx="551753" cy="307777"/>
+          </a:xfrm>
+          <a:prstGeom prst="rect">
+            <a:avLst/>
+          </a:prstGeom>
+          <a:noFill/>
+        </p:spPr>
+        <p:txBody>
+          <a:bodyPr wrap="none" rtlCol="0">
+            <a:spAutoFit/>
+          </a:bodyPr>
+          <a:lstStyle/>
+          <a:p>
+            <a:pPr algn="ctr"/>
+            <a:r>
+              <a:rPr lang="en-US" altLang="ko-KR" sz="1400" dirty="0" err="1">
+                <a:solidFill>
+                  <a:schemeClr val="tx2">
+                    <a:lumMod val="75000"/>
+                    <a:lumOff val="25000"/>
+                  </a:schemeClr>
+                </a:solidFill>
+                <a:latin typeface="Pretendard SemiBold" panose="02000703000000020004" pitchFamily="50" charset="-127"/>
+                <a:ea typeface="Pretendard SemiBold" panose="02000703000000020004" pitchFamily="50" charset="-127"/>
+                <a:cs typeface="Pretendard SemiBold" panose="02000703000000020004" pitchFamily="50" charset="-127"/>
+              </a:rPr>
+              <a:t>npm</a:t>
+            </a:r>
+            <a:endParaRPr lang="en-US" altLang="ko-KR" sz="1400" dirty="0">
+              <a:solidFill>
+                <a:schemeClr val="tx2">
+                  <a:lumMod val="75000"/>
+                  <a:lumOff val="25000"/>
+                </a:schemeClr>
+              </a:solidFill>
+              <a:latin typeface="Pretendard SemiBold" panose="02000703000000020004" pitchFamily="50" charset="-127"/>
+              <a:ea typeface="Pretendard SemiBold" panose="02000703000000020004" pitchFamily="50" charset="-127"/>
+              <a:cs typeface="Pretendard SemiBold" panose="02000703000000020004" pitchFamily="50" charset="-127"/>
+            </a:endParaRPr>
+          </a:p>
+        </p:txBody>
+      </p:sp>
+      <p:sp>
+        <p:nvSpPr>
+          <p:cNvPr id="16" name="TextBox 15">
+            <a:extLst>
+              <a:ext uri="{FF2B5EF4-FFF2-40B4-BE49-F238E27FC236}">
+                <a16:creationId xmlns:a16="http://schemas.microsoft.com/office/drawing/2014/main" id="{9D32DD6A-2842-A7D4-E269-0F69C82D6E8A}"/>
+              </a:ext>
+            </a:extLst>
+          </p:cNvPr>
+          <p:cNvSpPr txBox="1"/>
+          <p:nvPr/>
+        </p:nvSpPr>
+        <p:spPr>
+          <a:xfrm>
+            <a:off x="5622371" y="3082269"/>
+            <a:ext cx="1043876" cy="307777"/>
+          </a:xfrm>
+          <a:prstGeom prst="rect">
+            <a:avLst/>
+          </a:prstGeom>
+          <a:noFill/>
+        </p:spPr>
+        <p:txBody>
+          <a:bodyPr wrap="none" rtlCol="0">
+            <a:spAutoFit/>
+          </a:bodyPr>
+          <a:lstStyle/>
+          <a:p>
+            <a:pPr algn="ctr"/>
+            <a:r>
+              <a:rPr lang="en-US" altLang="ko-KR" sz="1400" dirty="0">
+                <a:solidFill>
+                  <a:schemeClr val="tx2">
+                    <a:lumMod val="75000"/>
+                    <a:lumOff val="25000"/>
+                  </a:schemeClr>
+                </a:solidFill>
+                <a:latin typeface="Pretendard SemiBold" panose="02000703000000020004" pitchFamily="50" charset="-127"/>
+                <a:ea typeface="Pretendard SemiBold" panose="02000703000000020004" pitchFamily="50" charset="-127"/>
+                <a:cs typeface="Pretendard SemiBold" panose="02000703000000020004" pitchFamily="50" charset="-127"/>
+              </a:rPr>
+              <a:t>yarn (</a:t>
+            </a:r>
+            <a:r>
+              <a:rPr lang="ko-KR" altLang="en-US" sz="1400" dirty="0">
+                <a:solidFill>
+                  <a:schemeClr val="tx2">
+                    <a:lumMod val="75000"/>
+                    <a:lumOff val="25000"/>
+                  </a:schemeClr>
+                </a:solidFill>
+                <a:latin typeface="Pretendard SemiBold" panose="02000703000000020004" pitchFamily="50" charset="-127"/>
+                <a:ea typeface="Pretendard SemiBold" panose="02000703000000020004" pitchFamily="50" charset="-127"/>
+                <a:cs typeface="Pretendard SemiBold" panose="02000703000000020004" pitchFamily="50" charset="-127"/>
+              </a:rPr>
+              <a:t>추천</a:t>
+            </a:r>
+            <a:r>
+              <a:rPr lang="en-US" altLang="ko-KR" sz="1400" dirty="0">
+                <a:solidFill>
+                  <a:schemeClr val="tx2">
+                    <a:lumMod val="75000"/>
+                    <a:lumOff val="25000"/>
+                  </a:schemeClr>
+                </a:solidFill>
+                <a:latin typeface="Pretendard SemiBold" panose="02000703000000020004" pitchFamily="50" charset="-127"/>
+                <a:ea typeface="Pretendard SemiBold" panose="02000703000000020004" pitchFamily="50" charset="-127"/>
+                <a:cs typeface="Pretendard SemiBold" panose="02000703000000020004" pitchFamily="50" charset="-127"/>
+              </a:rPr>
+              <a:t>)</a:t>
+            </a:r>
+          </a:p>
+        </p:txBody>
+      </p:sp>
     </p:spTree>
     <p:extLst>
       <p:ext uri="{BB962C8B-B14F-4D97-AF65-F5344CB8AC3E}">
